--- a/analysis/figures/EnergyLandscapes.pptx
+++ b/analysis/figures/EnergyLandscapes.pptx
@@ -109,6 +109,11 @@
       </a:defRPr>
     </a:lvl9pPr>
   </p:defaultTextStyle>
+  <p:extLst>
+    <p:ext uri="{EFAFB233-063F-42B5-8137-9DF3F51BA10A}">
+      <p15:sldGuideLst xmlns:p15="http://schemas.microsoft.com/office/powerpoint/2012/main"/>
+    </p:ext>
+  </p:extLst>
 </p:presentation>
 </file>
 
@@ -194,7 +199,7 @@
           <a:p>
             <a:fld id="{0B4F8B35-81DE-1849-8D98-174003509F6C}" type="datetimeFigureOut">
               <a:rPr lang="en-US" smtClean="0"/>
-              <a:t>4/16/18</a:t>
+              <a:t>4/18/18</a:t>
             </a:fld>
             <a:endParaRPr lang="en-US"/>
           </a:p>
@@ -593,7 +598,7 @@
           <a:p>
             <a:fld id="{33BC8D5A-E84B-B741-9A1B-5FA3B60A2123}" type="datetimeFigureOut">
               <a:rPr lang="en-US" smtClean="0"/>
-              <a:t>4/16/18</a:t>
+              <a:t>4/18/18</a:t>
             </a:fld>
             <a:endParaRPr lang="en-US"/>
           </a:p>
@@ -758,7 +763,7 @@
           <a:p>
             <a:fld id="{33BC8D5A-E84B-B741-9A1B-5FA3B60A2123}" type="datetimeFigureOut">
               <a:rPr lang="en-US" smtClean="0"/>
-              <a:t>4/16/18</a:t>
+              <a:t>4/18/18</a:t>
             </a:fld>
             <a:endParaRPr lang="en-US"/>
           </a:p>
@@ -933,7 +938,7 @@
           <a:p>
             <a:fld id="{33BC8D5A-E84B-B741-9A1B-5FA3B60A2123}" type="datetimeFigureOut">
               <a:rPr lang="en-US" smtClean="0"/>
-              <a:t>4/16/18</a:t>
+              <a:t>4/18/18</a:t>
             </a:fld>
             <a:endParaRPr lang="en-US"/>
           </a:p>
@@ -1098,7 +1103,7 @@
           <a:p>
             <a:fld id="{33BC8D5A-E84B-B741-9A1B-5FA3B60A2123}" type="datetimeFigureOut">
               <a:rPr lang="en-US" smtClean="0"/>
-              <a:t>4/16/18</a:t>
+              <a:t>4/18/18</a:t>
             </a:fld>
             <a:endParaRPr lang="en-US"/>
           </a:p>
@@ -1337,7 +1342,7 @@
           <a:p>
             <a:fld id="{33BC8D5A-E84B-B741-9A1B-5FA3B60A2123}" type="datetimeFigureOut">
               <a:rPr lang="en-US" smtClean="0"/>
-              <a:t>4/16/18</a:t>
+              <a:t>4/18/18</a:t>
             </a:fld>
             <a:endParaRPr lang="en-US"/>
           </a:p>
@@ -1564,7 +1569,7 @@
           <a:p>
             <a:fld id="{33BC8D5A-E84B-B741-9A1B-5FA3B60A2123}" type="datetimeFigureOut">
               <a:rPr lang="en-US" smtClean="0"/>
-              <a:t>4/16/18</a:t>
+              <a:t>4/18/18</a:t>
             </a:fld>
             <a:endParaRPr lang="en-US"/>
           </a:p>
@@ -1926,7 +1931,7 @@
           <a:p>
             <a:fld id="{33BC8D5A-E84B-B741-9A1B-5FA3B60A2123}" type="datetimeFigureOut">
               <a:rPr lang="en-US" smtClean="0"/>
-              <a:t>4/16/18</a:t>
+              <a:t>4/18/18</a:t>
             </a:fld>
             <a:endParaRPr lang="en-US"/>
           </a:p>
@@ -2039,7 +2044,7 @@
           <a:p>
             <a:fld id="{33BC8D5A-E84B-B741-9A1B-5FA3B60A2123}" type="datetimeFigureOut">
               <a:rPr lang="en-US" smtClean="0"/>
-              <a:t>4/16/18</a:t>
+              <a:t>4/18/18</a:t>
             </a:fld>
             <a:endParaRPr lang="en-US"/>
           </a:p>
@@ -2129,7 +2134,7 @@
           <a:p>
             <a:fld id="{33BC8D5A-E84B-B741-9A1B-5FA3B60A2123}" type="datetimeFigureOut">
               <a:rPr lang="en-US" smtClean="0"/>
-              <a:t>4/16/18</a:t>
+              <a:t>4/18/18</a:t>
             </a:fld>
             <a:endParaRPr lang="en-US"/>
           </a:p>
@@ -2401,7 +2406,7 @@
           <a:p>
             <a:fld id="{33BC8D5A-E84B-B741-9A1B-5FA3B60A2123}" type="datetimeFigureOut">
               <a:rPr lang="en-US" smtClean="0"/>
-              <a:t>4/16/18</a:t>
+              <a:t>4/18/18</a:t>
             </a:fld>
             <a:endParaRPr lang="en-US"/>
           </a:p>
@@ -2653,7 +2658,7 @@
           <a:p>
             <a:fld id="{33BC8D5A-E84B-B741-9A1B-5FA3B60A2123}" type="datetimeFigureOut">
               <a:rPr lang="en-US" smtClean="0"/>
-              <a:t>4/16/18</a:t>
+              <a:t>4/18/18</a:t>
             </a:fld>
             <a:endParaRPr lang="en-US"/>
           </a:p>
@@ -2861,7 +2866,7 @@
           <a:p>
             <a:fld id="{33BC8D5A-E84B-B741-9A1B-5FA3B60A2123}" type="datetimeFigureOut">
               <a:rPr lang="en-US" smtClean="0"/>
-              <a:t>4/16/18</a:t>
+              <a:t>4/18/18</a:t>
             </a:fld>
             <a:endParaRPr lang="en-US"/>
           </a:p>
@@ -3266,529 +3271,547 @@
           <a:chExt cx="0" cy="0"/>
         </a:xfrm>
       </p:grpSpPr>
-      <p:pic>
-        <p:nvPicPr>
-          <p:cNvPr id="11" name="Picture 10"/>
-          <p:cNvPicPr>
-            <a:picLocks noChangeAspect="1"/>
-          </p:cNvPicPr>
-          <p:nvPr/>
-        </p:nvPicPr>
-        <p:blipFill rotWithShape="1">
-          <a:blip r:embed="rId2">
-            <a:extLst>
-              <a:ext uri="{28A0092B-C50C-407E-A947-70E740481C1C}">
-                <a14:useLocalDpi xmlns:a14="http://schemas.microsoft.com/office/drawing/2010/main" val="0"/>
-              </a:ext>
-            </a:extLst>
-          </a:blip>
-          <a:srcRect b="15547"/>
-          <a:stretch/>
-        </p:blipFill>
-        <p:spPr>
+      <p:grpSp>
+        <p:nvGrpSpPr>
+          <p:cNvPr id="2" name="Group 1"/>
+          <p:cNvGrpSpPr/>
+          <p:nvPr/>
+        </p:nvGrpSpPr>
+        <p:grpSpPr>
           <a:xfrm>
-            <a:off x="4841240" y="-1"/>
-            <a:ext cx="1419860" cy="1124171"/>
-          </a:xfrm>
-          <a:prstGeom prst="rect">
-            <a:avLst/>
-          </a:prstGeom>
-        </p:spPr>
-      </p:pic>
-      <p:pic>
-        <p:nvPicPr>
-          <p:cNvPr id="12" name="Picture 11"/>
-          <p:cNvPicPr>
-            <a:picLocks noChangeAspect="1"/>
-          </p:cNvPicPr>
-          <p:nvPr/>
-        </p:nvPicPr>
-        <p:blipFill rotWithShape="1">
-          <a:blip r:embed="rId3">
-            <a:extLst>
-              <a:ext uri="{28A0092B-C50C-407E-A947-70E740481C1C}">
-                <a14:useLocalDpi xmlns:a14="http://schemas.microsoft.com/office/drawing/2010/main" val="0"/>
-              </a:ext>
-            </a:extLst>
-          </a:blip>
-          <a:srcRect b="15547"/>
-          <a:stretch/>
-        </p:blipFill>
-        <p:spPr>
-          <a:xfrm>
-            <a:off x="1968500" y="-1"/>
-            <a:ext cx="1419860" cy="1124171"/>
-          </a:xfrm>
-          <a:prstGeom prst="rect">
-            <a:avLst/>
-          </a:prstGeom>
-        </p:spPr>
-      </p:pic>
-      <p:pic>
-        <p:nvPicPr>
-          <p:cNvPr id="13" name="Picture 12"/>
-          <p:cNvPicPr>
-            <a:picLocks noChangeAspect="1"/>
-          </p:cNvPicPr>
-          <p:nvPr/>
-        </p:nvPicPr>
-        <p:blipFill rotWithShape="1">
-          <a:blip r:embed="rId4">
-            <a:extLst>
-              <a:ext uri="{28A0092B-C50C-407E-A947-70E740481C1C}">
-                <a14:useLocalDpi xmlns:a14="http://schemas.microsoft.com/office/drawing/2010/main" val="0"/>
-              </a:ext>
-            </a:extLst>
-          </a:blip>
-          <a:srcRect b="15547"/>
-          <a:stretch/>
-        </p:blipFill>
-        <p:spPr>
-          <a:xfrm>
-            <a:off x="3404870" y="-1"/>
-            <a:ext cx="1419860" cy="1124171"/>
-          </a:xfrm>
-          <a:prstGeom prst="rect">
-            <a:avLst/>
-          </a:prstGeom>
-        </p:spPr>
-      </p:pic>
-      <p:pic>
-        <p:nvPicPr>
-          <p:cNvPr id="14" name="Picture 13"/>
-          <p:cNvPicPr>
-            <a:picLocks noChangeAspect="1"/>
-          </p:cNvPicPr>
-          <p:nvPr/>
-        </p:nvPicPr>
-        <p:blipFill rotWithShape="1">
-          <a:blip r:embed="rId5">
-            <a:extLst>
-              <a:ext uri="{28A0092B-C50C-407E-A947-70E740481C1C}">
-                <a14:useLocalDpi xmlns:a14="http://schemas.microsoft.com/office/drawing/2010/main" val="0"/>
-              </a:ext>
-            </a:extLst>
-          </a:blip>
-          <a:srcRect t="14817" b="14817"/>
-          <a:stretch/>
-        </p:blipFill>
-        <p:spPr>
-          <a:xfrm>
-            <a:off x="4841240" y="1136981"/>
-            <a:ext cx="1419860" cy="936647"/>
-          </a:xfrm>
-          <a:prstGeom prst="rect">
-            <a:avLst/>
-          </a:prstGeom>
-        </p:spPr>
-      </p:pic>
-      <p:pic>
-        <p:nvPicPr>
-          <p:cNvPr id="15" name="Picture 14"/>
-          <p:cNvPicPr>
-            <a:picLocks noChangeAspect="1"/>
-          </p:cNvPicPr>
-          <p:nvPr/>
-        </p:nvPicPr>
-        <p:blipFill rotWithShape="1">
-          <a:blip r:embed="rId6">
-            <a:extLst>
-              <a:ext uri="{28A0092B-C50C-407E-A947-70E740481C1C}">
-                <a14:useLocalDpi xmlns:a14="http://schemas.microsoft.com/office/drawing/2010/main" val="0"/>
-              </a:ext>
-            </a:extLst>
-          </a:blip>
-          <a:srcRect t="14817" b="15547"/>
-          <a:stretch/>
-        </p:blipFill>
-        <p:spPr>
-          <a:xfrm>
-            <a:off x="1968500" y="1136981"/>
-            <a:ext cx="1419860" cy="926935"/>
-          </a:xfrm>
-          <a:prstGeom prst="rect">
-            <a:avLst/>
-          </a:prstGeom>
-        </p:spPr>
-      </p:pic>
-      <p:pic>
-        <p:nvPicPr>
-          <p:cNvPr id="16" name="Picture 15"/>
-          <p:cNvPicPr>
-            <a:picLocks noChangeAspect="1"/>
-          </p:cNvPicPr>
-          <p:nvPr/>
-        </p:nvPicPr>
-        <p:blipFill rotWithShape="1">
-          <a:blip r:embed="rId7">
-            <a:extLst>
-              <a:ext uri="{28A0092B-C50C-407E-A947-70E740481C1C}">
-                <a14:useLocalDpi xmlns:a14="http://schemas.microsoft.com/office/drawing/2010/main" val="0"/>
-              </a:ext>
-            </a:extLst>
-          </a:blip>
-          <a:srcRect t="14817" b="14817"/>
-          <a:stretch/>
-        </p:blipFill>
-        <p:spPr>
-          <a:xfrm>
-            <a:off x="3404870" y="1136981"/>
-            <a:ext cx="1419860" cy="936647"/>
-          </a:xfrm>
-          <a:prstGeom prst="rect">
-            <a:avLst/>
-          </a:prstGeom>
-        </p:spPr>
-      </p:pic>
-      <p:pic>
-        <p:nvPicPr>
-          <p:cNvPr id="17" name="Picture 16"/>
-          <p:cNvPicPr>
-            <a:picLocks noChangeAspect="1"/>
-          </p:cNvPicPr>
-          <p:nvPr/>
-        </p:nvPicPr>
-        <p:blipFill rotWithShape="1">
-          <a:blip r:embed="rId8">
-            <a:extLst>
-              <a:ext uri="{28A0092B-C50C-407E-A947-70E740481C1C}">
-                <a14:useLocalDpi xmlns:a14="http://schemas.microsoft.com/office/drawing/2010/main" val="0"/>
-              </a:ext>
-            </a:extLst>
-          </a:blip>
-          <a:srcRect t="15547" b="15547"/>
-          <a:stretch/>
-        </p:blipFill>
-        <p:spPr>
-          <a:xfrm>
-            <a:off x="4841240" y="2073628"/>
-            <a:ext cx="1419860" cy="917222"/>
-          </a:xfrm>
-          <a:prstGeom prst="rect">
-            <a:avLst/>
-          </a:prstGeom>
-        </p:spPr>
-      </p:pic>
-      <p:pic>
-        <p:nvPicPr>
-          <p:cNvPr id="18" name="Picture 17"/>
-          <p:cNvPicPr>
-            <a:picLocks noChangeAspect="1"/>
-          </p:cNvPicPr>
-          <p:nvPr/>
-        </p:nvPicPr>
-        <p:blipFill rotWithShape="1">
-          <a:blip r:embed="rId9">
-            <a:extLst>
-              <a:ext uri="{28A0092B-C50C-407E-A947-70E740481C1C}">
-                <a14:useLocalDpi xmlns:a14="http://schemas.microsoft.com/office/drawing/2010/main" val="0"/>
-              </a:ext>
-            </a:extLst>
-          </a:blip>
-          <a:srcRect t="14817" b="14817"/>
-          <a:stretch/>
-        </p:blipFill>
-        <p:spPr>
-          <a:xfrm>
-            <a:off x="1968500" y="2063915"/>
-            <a:ext cx="1419860" cy="936647"/>
-          </a:xfrm>
-          <a:prstGeom prst="rect">
-            <a:avLst/>
-          </a:prstGeom>
-        </p:spPr>
-      </p:pic>
-      <p:pic>
-        <p:nvPicPr>
-          <p:cNvPr id="19" name="Picture 18"/>
-          <p:cNvPicPr>
-            <a:picLocks noChangeAspect="1"/>
-          </p:cNvPicPr>
-          <p:nvPr/>
-        </p:nvPicPr>
-        <p:blipFill rotWithShape="1">
-          <a:blip r:embed="rId10">
-            <a:extLst>
-              <a:ext uri="{28A0092B-C50C-407E-A947-70E740481C1C}">
-                <a14:useLocalDpi xmlns:a14="http://schemas.microsoft.com/office/drawing/2010/main" val="0"/>
-              </a:ext>
-            </a:extLst>
-          </a:blip>
-          <a:srcRect t="15547" b="15547"/>
-          <a:stretch/>
-        </p:blipFill>
-        <p:spPr>
-          <a:xfrm>
-            <a:off x="3404870" y="2073628"/>
-            <a:ext cx="1419860" cy="917222"/>
-          </a:xfrm>
-          <a:prstGeom prst="rect">
-            <a:avLst/>
-          </a:prstGeom>
-        </p:spPr>
-      </p:pic>
-      <p:sp>
-        <p:nvSpPr>
-          <p:cNvPr id="20" name="TextBox 19"/>
-          <p:cNvSpPr txBox="1"/>
-          <p:nvPr/>
-        </p:nvSpPr>
-        <p:spPr>
-          <a:xfrm>
-            <a:off x="2099609" y="197235"/>
-            <a:ext cx="264816" cy="292388"/>
-          </a:xfrm>
-          <a:prstGeom prst="rect">
-            <a:avLst/>
-          </a:prstGeom>
-          <a:noFill/>
-        </p:spPr>
-        <p:txBody>
-          <a:bodyPr wrap="none" rtlCol="0">
-            <a:spAutoFit/>
-          </a:bodyPr>
-          <a:lstStyle/>
-          <a:p>
-            <a:r>
-              <a:rPr lang="en-US" sz="1300"/>
-              <a:t>a</a:t>
-            </a:r>
-          </a:p>
-        </p:txBody>
-      </p:sp>
-      <p:sp>
-        <p:nvSpPr>
-          <p:cNvPr id="21" name="TextBox 20"/>
-          <p:cNvSpPr txBox="1"/>
-          <p:nvPr/>
-        </p:nvSpPr>
-        <p:spPr>
-          <a:xfrm>
-            <a:off x="3561230" y="197235"/>
-            <a:ext cx="272832" cy="292388"/>
-          </a:xfrm>
-          <a:prstGeom prst="rect">
-            <a:avLst/>
-          </a:prstGeom>
-          <a:noFill/>
-        </p:spPr>
-        <p:txBody>
-          <a:bodyPr wrap="none" rtlCol="0">
-            <a:spAutoFit/>
-          </a:bodyPr>
-          <a:lstStyle/>
-          <a:p>
-            <a:r>
-              <a:rPr lang="en-US" sz="1300" dirty="0"/>
-              <a:t>b</a:t>
-            </a:r>
-          </a:p>
-        </p:txBody>
-      </p:sp>
-      <p:sp>
-        <p:nvSpPr>
-          <p:cNvPr id="22" name="TextBox 21"/>
-          <p:cNvSpPr txBox="1"/>
-          <p:nvPr/>
-        </p:nvSpPr>
-        <p:spPr>
-          <a:xfrm>
-            <a:off x="5003426" y="197235"/>
-            <a:ext cx="255198" cy="292388"/>
-          </a:xfrm>
-          <a:prstGeom prst="rect">
-            <a:avLst/>
-          </a:prstGeom>
-          <a:noFill/>
-        </p:spPr>
-        <p:txBody>
-          <a:bodyPr wrap="none" rtlCol="0">
-            <a:spAutoFit/>
-          </a:bodyPr>
-          <a:lstStyle/>
-          <a:p>
-            <a:r>
-              <a:rPr lang="en-US" sz="1300" dirty="0"/>
-              <a:t>c</a:t>
-            </a:r>
-          </a:p>
-        </p:txBody>
-      </p:sp>
-      <p:sp>
-        <p:nvSpPr>
-          <p:cNvPr id="23" name="TextBox 22"/>
-          <p:cNvSpPr txBox="1"/>
-          <p:nvPr/>
-        </p:nvSpPr>
-        <p:spPr>
-          <a:xfrm>
-            <a:off x="5003427" y="1146693"/>
-            <a:ext cx="235962" cy="292388"/>
-          </a:xfrm>
-          <a:prstGeom prst="rect">
-            <a:avLst/>
-          </a:prstGeom>
-          <a:noFill/>
-        </p:spPr>
-        <p:txBody>
-          <a:bodyPr wrap="none" rtlCol="0">
-            <a:spAutoFit/>
-          </a:bodyPr>
-          <a:lstStyle/>
-          <a:p>
-            <a:r>
-              <a:rPr lang="en-US" sz="1300" dirty="0"/>
-              <a:t>f</a:t>
-            </a:r>
-          </a:p>
-        </p:txBody>
-      </p:sp>
-      <p:sp>
-        <p:nvSpPr>
-          <p:cNvPr id="24" name="TextBox 23"/>
-          <p:cNvSpPr txBox="1"/>
-          <p:nvPr/>
-        </p:nvSpPr>
-        <p:spPr>
-          <a:xfrm>
-            <a:off x="3561230" y="1146693"/>
-            <a:ext cx="268022" cy="292388"/>
-          </a:xfrm>
-          <a:prstGeom prst="rect">
-            <a:avLst/>
-          </a:prstGeom>
-          <a:noFill/>
-        </p:spPr>
-        <p:txBody>
-          <a:bodyPr wrap="none" rtlCol="0">
-            <a:spAutoFit/>
-          </a:bodyPr>
-          <a:lstStyle/>
-          <a:p>
-            <a:r>
-              <a:rPr lang="en-US" sz="1300" dirty="0"/>
-              <a:t>e</a:t>
-            </a:r>
-          </a:p>
-        </p:txBody>
-      </p:sp>
-      <p:sp>
-        <p:nvSpPr>
-          <p:cNvPr id="25" name="TextBox 24"/>
-          <p:cNvSpPr txBox="1"/>
-          <p:nvPr/>
-        </p:nvSpPr>
-        <p:spPr>
-          <a:xfrm>
-            <a:off x="2099610" y="1146693"/>
-            <a:ext cx="272832" cy="292388"/>
-          </a:xfrm>
-          <a:prstGeom prst="rect">
-            <a:avLst/>
-          </a:prstGeom>
-          <a:noFill/>
-        </p:spPr>
-        <p:txBody>
-          <a:bodyPr wrap="none" rtlCol="0">
-            <a:spAutoFit/>
-          </a:bodyPr>
-          <a:lstStyle/>
-          <a:p>
-            <a:r>
-              <a:rPr lang="en-US" sz="1300" dirty="0"/>
-              <a:t>d</a:t>
-            </a:r>
-          </a:p>
-        </p:txBody>
-      </p:sp>
-      <p:sp>
-        <p:nvSpPr>
-          <p:cNvPr id="26" name="TextBox 25"/>
-          <p:cNvSpPr txBox="1"/>
-          <p:nvPr/>
-        </p:nvSpPr>
-        <p:spPr>
-          <a:xfrm>
-            <a:off x="2099609" y="2086439"/>
-            <a:ext cx="263214" cy="292388"/>
-          </a:xfrm>
-          <a:prstGeom prst="rect">
-            <a:avLst/>
-          </a:prstGeom>
-          <a:noFill/>
-        </p:spPr>
-        <p:txBody>
-          <a:bodyPr wrap="none" rtlCol="0">
-            <a:spAutoFit/>
-          </a:bodyPr>
-          <a:lstStyle/>
-          <a:p>
-            <a:r>
-              <a:rPr lang="en-US" sz="1300" dirty="0"/>
-              <a:t>g</a:t>
-            </a:r>
-          </a:p>
-        </p:txBody>
-      </p:sp>
-      <p:sp>
-        <p:nvSpPr>
-          <p:cNvPr id="27" name="TextBox 26"/>
-          <p:cNvSpPr txBox="1"/>
-          <p:nvPr/>
-        </p:nvSpPr>
-        <p:spPr>
-          <a:xfrm>
-            <a:off x="3561230" y="2086439"/>
-            <a:ext cx="272832" cy="292388"/>
-          </a:xfrm>
-          <a:prstGeom prst="rect">
-            <a:avLst/>
-          </a:prstGeom>
-          <a:noFill/>
-        </p:spPr>
-        <p:txBody>
-          <a:bodyPr wrap="none" rtlCol="0">
-            <a:spAutoFit/>
-          </a:bodyPr>
-          <a:lstStyle/>
-          <a:p>
-            <a:r>
-              <a:rPr lang="en-US" sz="1300" dirty="0"/>
-              <a:t>h</a:t>
-            </a:r>
-          </a:p>
-        </p:txBody>
-      </p:sp>
-      <p:sp>
-        <p:nvSpPr>
-          <p:cNvPr id="28" name="TextBox 27"/>
-          <p:cNvSpPr txBox="1"/>
-          <p:nvPr/>
-        </p:nvSpPr>
-        <p:spPr>
-          <a:xfrm>
-            <a:off x="4995375" y="2086439"/>
-            <a:ext cx="223138" cy="292388"/>
-          </a:xfrm>
-          <a:prstGeom prst="rect">
-            <a:avLst/>
-          </a:prstGeom>
-          <a:noFill/>
-        </p:spPr>
-        <p:txBody>
-          <a:bodyPr wrap="none" rtlCol="0">
-            <a:spAutoFit/>
-          </a:bodyPr>
-          <a:lstStyle/>
-          <a:p>
-            <a:r>
-              <a:rPr lang="en-US" sz="1300" dirty="0" err="1"/>
-              <a:t>i</a:t>
-            </a:r>
-            <a:endParaRPr lang="en-US" sz="1300" dirty="0"/>
-          </a:p>
-        </p:txBody>
-      </p:sp>
+            <a:off x="1971497" y="-4233"/>
+            <a:ext cx="4476250" cy="4094290"/>
+            <a:chOff x="1970860" y="-3331"/>
+            <a:chExt cx="3522428" cy="3221849"/>
+          </a:xfrm>
+        </p:grpSpPr>
+        <p:pic>
+          <p:nvPicPr>
+            <p:cNvPr id="12" name="Picture 11"/>
+            <p:cNvPicPr>
+              <a:picLocks noChangeAspect="1"/>
+            </p:cNvPicPr>
+            <p:nvPr/>
+          </p:nvPicPr>
+          <p:blipFill>
+            <a:blip r:embed="rId2">
+              <a:extLst>
+                <a:ext uri="{28A0092B-C50C-407E-A947-70E740481C1C}">
+                  <a14:useLocalDpi xmlns:a14="http://schemas.microsoft.com/office/drawing/2010/main" val="0"/>
+                </a:ext>
+              </a:extLst>
+            </a:blip>
+            <a:stretch>
+              <a:fillRect/>
+            </a:stretch>
+          </p:blipFill>
+          <p:spPr>
+            <a:xfrm>
+              <a:off x="1970860" y="-1"/>
+              <a:ext cx="1439108" cy="1349163"/>
+            </a:xfrm>
+            <a:prstGeom prst="rect">
+              <a:avLst/>
+            </a:prstGeom>
+          </p:spPr>
+        </p:pic>
+        <p:pic>
+          <p:nvPicPr>
+            <p:cNvPr id="13" name="Picture 12"/>
+            <p:cNvPicPr>
+              <a:picLocks noChangeAspect="1"/>
+            </p:cNvPicPr>
+            <p:nvPr/>
+          </p:nvPicPr>
+          <p:blipFill>
+            <a:blip r:embed="rId3">
+              <a:extLst>
+                <a:ext uri="{28A0092B-C50C-407E-A947-70E740481C1C}">
+                  <a14:useLocalDpi xmlns:a14="http://schemas.microsoft.com/office/drawing/2010/main" val="0"/>
+                </a:ext>
+              </a:extLst>
+            </a:blip>
+            <a:stretch>
+              <a:fillRect/>
+            </a:stretch>
+          </p:blipFill>
+          <p:spPr>
+            <a:xfrm>
+              <a:off x="3021703" y="-1"/>
+              <a:ext cx="1439108" cy="1349163"/>
+            </a:xfrm>
+            <a:prstGeom prst="rect">
+              <a:avLst/>
+            </a:prstGeom>
+          </p:spPr>
+        </p:pic>
+        <p:pic>
+          <p:nvPicPr>
+            <p:cNvPr id="15" name="Picture 14"/>
+            <p:cNvPicPr>
+              <a:picLocks noChangeAspect="1"/>
+            </p:cNvPicPr>
+            <p:nvPr/>
+          </p:nvPicPr>
+          <p:blipFill rotWithShape="1">
+            <a:blip r:embed="rId4">
+              <a:extLst>
+                <a:ext uri="{28A0092B-C50C-407E-A947-70E740481C1C}">
+                  <a14:useLocalDpi xmlns:a14="http://schemas.microsoft.com/office/drawing/2010/main" val="0"/>
+                </a:ext>
+              </a:extLst>
+            </a:blip>
+            <a:srcRect t="15727"/>
+            <a:stretch/>
+          </p:blipFill>
+          <p:spPr>
+            <a:xfrm>
+              <a:off x="1970860" y="1139294"/>
+              <a:ext cx="1439108" cy="1136983"/>
+            </a:xfrm>
+            <a:prstGeom prst="rect">
+              <a:avLst/>
+            </a:prstGeom>
+          </p:spPr>
+        </p:pic>
+        <p:pic>
+          <p:nvPicPr>
+            <p:cNvPr id="16" name="Picture 15"/>
+            <p:cNvPicPr>
+              <a:picLocks noChangeAspect="1"/>
+            </p:cNvPicPr>
+            <p:nvPr/>
+          </p:nvPicPr>
+          <p:blipFill rotWithShape="1">
+            <a:blip r:embed="rId5">
+              <a:extLst>
+                <a:ext uri="{28A0092B-C50C-407E-A947-70E740481C1C}">
+                  <a14:useLocalDpi xmlns:a14="http://schemas.microsoft.com/office/drawing/2010/main" val="0"/>
+                </a:ext>
+              </a:extLst>
+            </a:blip>
+            <a:srcRect t="15727"/>
+            <a:stretch/>
+          </p:blipFill>
+          <p:spPr>
+            <a:xfrm>
+              <a:off x="3021703" y="1139294"/>
+              <a:ext cx="1439108" cy="1136982"/>
+            </a:xfrm>
+            <a:prstGeom prst="rect">
+              <a:avLst/>
+            </a:prstGeom>
+          </p:spPr>
+        </p:pic>
+        <p:pic>
+          <p:nvPicPr>
+            <p:cNvPr id="18" name="Picture 17"/>
+            <p:cNvPicPr>
+              <a:picLocks noChangeAspect="1"/>
+            </p:cNvPicPr>
+            <p:nvPr/>
+          </p:nvPicPr>
+          <p:blipFill rotWithShape="1">
+            <a:blip r:embed="rId6">
+              <a:extLst>
+                <a:ext uri="{28A0092B-C50C-407E-A947-70E740481C1C}">
+                  <a14:useLocalDpi xmlns:a14="http://schemas.microsoft.com/office/drawing/2010/main" val="0"/>
+                </a:ext>
+              </a:extLst>
+            </a:blip>
+            <a:srcRect t="16183"/>
+            <a:stretch/>
+          </p:blipFill>
+          <p:spPr>
+            <a:xfrm>
+              <a:off x="1970860" y="2072377"/>
+              <a:ext cx="1439108" cy="1130831"/>
+            </a:xfrm>
+            <a:prstGeom prst="rect">
+              <a:avLst/>
+            </a:prstGeom>
+          </p:spPr>
+        </p:pic>
+        <p:pic>
+          <p:nvPicPr>
+            <p:cNvPr id="19" name="Picture 18"/>
+            <p:cNvPicPr>
+              <a:picLocks noChangeAspect="1"/>
+            </p:cNvPicPr>
+            <p:nvPr/>
+          </p:nvPicPr>
+          <p:blipFill rotWithShape="1">
+            <a:blip r:embed="rId7">
+              <a:extLst>
+                <a:ext uri="{28A0092B-C50C-407E-A947-70E740481C1C}">
+                  <a14:useLocalDpi xmlns:a14="http://schemas.microsoft.com/office/drawing/2010/main" val="0"/>
+                </a:ext>
+              </a:extLst>
+            </a:blip>
+            <a:srcRect t="16108"/>
+            <a:stretch/>
+          </p:blipFill>
+          <p:spPr>
+            <a:xfrm>
+              <a:off x="3021703" y="2081081"/>
+              <a:ext cx="1439108" cy="1131839"/>
+            </a:xfrm>
+            <a:prstGeom prst="rect">
+              <a:avLst/>
+            </a:prstGeom>
+          </p:spPr>
+        </p:pic>
+        <p:sp>
+          <p:nvSpPr>
+            <p:cNvPr id="20" name="TextBox 19"/>
+            <p:cNvSpPr txBox="1"/>
+            <p:nvPr/>
+          </p:nvSpPr>
+          <p:spPr>
+            <a:xfrm>
+              <a:off x="2087628" y="183911"/>
+              <a:ext cx="258404" cy="276999"/>
+            </a:xfrm>
+            <a:prstGeom prst="rect">
+              <a:avLst/>
+            </a:prstGeom>
+            <a:noFill/>
+          </p:spPr>
+          <p:txBody>
+            <a:bodyPr wrap="none" rtlCol="0">
+              <a:spAutoFit/>
+            </a:bodyPr>
+            <a:lstStyle/>
+            <a:p>
+              <a:r>
+                <a:rPr lang="en-US" sz="1200"/>
+                <a:t>a</a:t>
+              </a:r>
+            </a:p>
+          </p:txBody>
+        </p:sp>
+        <p:sp>
+          <p:nvSpPr>
+            <p:cNvPr id="21" name="TextBox 20"/>
+            <p:cNvSpPr txBox="1"/>
+            <p:nvPr/>
+          </p:nvSpPr>
+          <p:spPr>
+            <a:xfrm>
+              <a:off x="3139409" y="210984"/>
+              <a:ext cx="264816" cy="276999"/>
+            </a:xfrm>
+            <a:prstGeom prst="rect">
+              <a:avLst/>
+            </a:prstGeom>
+            <a:noFill/>
+          </p:spPr>
+          <p:txBody>
+            <a:bodyPr wrap="none" rtlCol="0">
+              <a:spAutoFit/>
+            </a:bodyPr>
+            <a:lstStyle/>
+            <a:p>
+              <a:r>
+                <a:rPr lang="en-US" sz="1200" dirty="0"/>
+                <a:t>b</a:t>
+              </a:r>
+            </a:p>
+          </p:txBody>
+        </p:sp>
+        <p:sp>
+          <p:nvSpPr>
+            <p:cNvPr id="24" name="TextBox 23"/>
+            <p:cNvSpPr txBox="1"/>
+            <p:nvPr/>
+          </p:nvSpPr>
+          <p:spPr>
+            <a:xfrm>
+              <a:off x="3142740" y="1119620"/>
+              <a:ext cx="261610" cy="276999"/>
+            </a:xfrm>
+            <a:prstGeom prst="rect">
+              <a:avLst/>
+            </a:prstGeom>
+            <a:noFill/>
+          </p:spPr>
+          <p:txBody>
+            <a:bodyPr wrap="none" rtlCol="0">
+              <a:spAutoFit/>
+            </a:bodyPr>
+            <a:lstStyle/>
+            <a:p>
+              <a:r>
+                <a:rPr lang="en-US" sz="1200" dirty="0"/>
+                <a:t>e</a:t>
+              </a:r>
+            </a:p>
+          </p:txBody>
+        </p:sp>
+        <p:sp>
+          <p:nvSpPr>
+            <p:cNvPr id="25" name="TextBox 24"/>
+            <p:cNvSpPr txBox="1"/>
+            <p:nvPr/>
+          </p:nvSpPr>
+          <p:spPr>
+            <a:xfrm>
+              <a:off x="2087628" y="1140031"/>
+              <a:ext cx="264816" cy="276999"/>
+            </a:xfrm>
+            <a:prstGeom prst="rect">
+              <a:avLst/>
+            </a:prstGeom>
+            <a:noFill/>
+          </p:spPr>
+          <p:txBody>
+            <a:bodyPr wrap="none" rtlCol="0">
+              <a:spAutoFit/>
+            </a:bodyPr>
+            <a:lstStyle/>
+            <a:p>
+              <a:r>
+                <a:rPr lang="en-US" sz="1200" dirty="0"/>
+                <a:t>d</a:t>
+              </a:r>
+            </a:p>
+          </p:txBody>
+        </p:sp>
+        <p:sp>
+          <p:nvSpPr>
+            <p:cNvPr id="26" name="TextBox 25"/>
+            <p:cNvSpPr txBox="1"/>
+            <p:nvPr/>
+          </p:nvSpPr>
+          <p:spPr>
+            <a:xfrm>
+              <a:off x="2089229" y="2048948"/>
+              <a:ext cx="256802" cy="276999"/>
+            </a:xfrm>
+            <a:prstGeom prst="rect">
+              <a:avLst/>
+            </a:prstGeom>
+            <a:noFill/>
+          </p:spPr>
+          <p:txBody>
+            <a:bodyPr wrap="none" rtlCol="0">
+              <a:spAutoFit/>
+            </a:bodyPr>
+            <a:lstStyle/>
+            <a:p>
+              <a:r>
+                <a:rPr lang="en-US" sz="1200" dirty="0"/>
+                <a:t>g</a:t>
+              </a:r>
+            </a:p>
+          </p:txBody>
+        </p:sp>
+        <p:sp>
+          <p:nvSpPr>
+            <p:cNvPr id="27" name="TextBox 26"/>
+            <p:cNvSpPr txBox="1"/>
+            <p:nvPr/>
+          </p:nvSpPr>
+          <p:spPr>
+            <a:xfrm>
+              <a:off x="3141063" y="2073115"/>
+              <a:ext cx="264816" cy="276999"/>
+            </a:xfrm>
+            <a:prstGeom prst="rect">
+              <a:avLst/>
+            </a:prstGeom>
+            <a:noFill/>
+          </p:spPr>
+          <p:txBody>
+            <a:bodyPr wrap="none" rtlCol="0">
+              <a:spAutoFit/>
+            </a:bodyPr>
+            <a:lstStyle/>
+            <a:p>
+              <a:r>
+                <a:rPr lang="en-US" sz="1200" dirty="0"/>
+                <a:t>h</a:t>
+              </a:r>
+            </a:p>
+          </p:txBody>
+        </p:sp>
+        <p:pic>
+          <p:nvPicPr>
+            <p:cNvPr id="11" name="Picture 10"/>
+            <p:cNvPicPr>
+              <a:picLocks noChangeAspect="1"/>
+            </p:cNvPicPr>
+            <p:nvPr/>
+          </p:nvPicPr>
+          <p:blipFill>
+            <a:blip r:embed="rId8">
+              <a:extLst>
+                <a:ext uri="{28A0092B-C50C-407E-A947-70E740481C1C}">
+                  <a14:useLocalDpi xmlns:a14="http://schemas.microsoft.com/office/drawing/2010/main" val="0"/>
+                </a:ext>
+              </a:extLst>
+            </a:blip>
+            <a:stretch>
+              <a:fillRect/>
+            </a:stretch>
+          </p:blipFill>
+          <p:spPr>
+            <a:xfrm>
+              <a:off x="4050343" y="-3331"/>
+              <a:ext cx="1442661" cy="1352494"/>
+            </a:xfrm>
+            <a:prstGeom prst="rect">
+              <a:avLst/>
+            </a:prstGeom>
+          </p:spPr>
+        </p:pic>
+        <p:pic>
+          <p:nvPicPr>
+            <p:cNvPr id="14" name="Picture 13"/>
+            <p:cNvPicPr>
+              <a:picLocks noChangeAspect="1"/>
+            </p:cNvPicPr>
+            <p:nvPr/>
+          </p:nvPicPr>
+          <p:blipFill rotWithShape="1">
+            <a:blip r:embed="rId9">
+              <a:extLst>
+                <a:ext uri="{28A0092B-C50C-407E-A947-70E740481C1C}">
+                  <a14:useLocalDpi xmlns:a14="http://schemas.microsoft.com/office/drawing/2010/main" val="0"/>
+                </a:ext>
+              </a:extLst>
+            </a:blip>
+            <a:srcRect t="16262"/>
+            <a:stretch/>
+          </p:blipFill>
+          <p:spPr>
+            <a:xfrm>
+              <a:off x="4050343" y="1149471"/>
+              <a:ext cx="1442945" cy="1132776"/>
+            </a:xfrm>
+            <a:prstGeom prst="rect">
+              <a:avLst/>
+            </a:prstGeom>
+          </p:spPr>
+        </p:pic>
+        <p:pic>
+          <p:nvPicPr>
+            <p:cNvPr id="17" name="Picture 16"/>
+            <p:cNvPicPr>
+              <a:picLocks noChangeAspect="1"/>
+            </p:cNvPicPr>
+            <p:nvPr/>
+          </p:nvPicPr>
+          <p:blipFill rotWithShape="1">
+            <a:blip r:embed="rId10">
+              <a:extLst>
+                <a:ext uri="{28A0092B-C50C-407E-A947-70E740481C1C}">
+                  <a14:useLocalDpi xmlns:a14="http://schemas.microsoft.com/office/drawing/2010/main" val="0"/>
+                </a:ext>
+              </a:extLst>
+            </a:blip>
+            <a:srcRect t="15501"/>
+            <a:stretch/>
+          </p:blipFill>
+          <p:spPr>
+            <a:xfrm>
+              <a:off x="4050343" y="2078488"/>
+              <a:ext cx="1439108" cy="1140030"/>
+            </a:xfrm>
+            <a:prstGeom prst="rect">
+              <a:avLst/>
+            </a:prstGeom>
+          </p:spPr>
+        </p:pic>
+        <p:sp>
+          <p:nvSpPr>
+            <p:cNvPr id="22" name="TextBox 21"/>
+            <p:cNvSpPr txBox="1"/>
+            <p:nvPr/>
+          </p:nvSpPr>
+          <p:spPr>
+            <a:xfrm>
+              <a:off x="4192974" y="185163"/>
+              <a:ext cx="250390" cy="276999"/>
+            </a:xfrm>
+            <a:prstGeom prst="rect">
+              <a:avLst/>
+            </a:prstGeom>
+            <a:noFill/>
+          </p:spPr>
+          <p:txBody>
+            <a:bodyPr wrap="none" rtlCol="0">
+              <a:spAutoFit/>
+            </a:bodyPr>
+            <a:lstStyle/>
+            <a:p>
+              <a:r>
+                <a:rPr lang="en-US" sz="1200" dirty="0"/>
+                <a:t>c</a:t>
+              </a:r>
+            </a:p>
+          </p:txBody>
+        </p:sp>
+        <p:sp>
+          <p:nvSpPr>
+            <p:cNvPr id="23" name="TextBox 22"/>
+            <p:cNvSpPr txBox="1"/>
+            <p:nvPr/>
+          </p:nvSpPr>
+          <p:spPr>
+            <a:xfrm>
+              <a:off x="4195881" y="1140031"/>
+              <a:ext cx="231154" cy="276999"/>
+            </a:xfrm>
+            <a:prstGeom prst="rect">
+              <a:avLst/>
+            </a:prstGeom>
+            <a:noFill/>
+          </p:spPr>
+          <p:txBody>
+            <a:bodyPr wrap="none" rtlCol="0">
+              <a:spAutoFit/>
+            </a:bodyPr>
+            <a:lstStyle/>
+            <a:p>
+              <a:r>
+                <a:rPr lang="en-US" sz="1200" dirty="0"/>
+                <a:t>f</a:t>
+              </a:r>
+            </a:p>
+          </p:txBody>
+        </p:sp>
+        <p:sp>
+          <p:nvSpPr>
+            <p:cNvPr id="28" name="TextBox 27"/>
+            <p:cNvSpPr txBox="1"/>
+            <p:nvPr/>
+          </p:nvSpPr>
+          <p:spPr>
+            <a:xfrm>
+              <a:off x="4194491" y="2069784"/>
+              <a:ext cx="219932" cy="276999"/>
+            </a:xfrm>
+            <a:prstGeom prst="rect">
+              <a:avLst/>
+            </a:prstGeom>
+            <a:noFill/>
+          </p:spPr>
+          <p:txBody>
+            <a:bodyPr wrap="none" rtlCol="0">
+              <a:spAutoFit/>
+            </a:bodyPr>
+            <a:lstStyle/>
+            <a:p>
+              <a:r>
+                <a:rPr lang="en-US" sz="1200" dirty="0" err="1"/>
+                <a:t>i</a:t>
+              </a:r>
+              <a:endParaRPr lang="en-US" sz="1200" dirty="0"/>
+            </a:p>
+          </p:txBody>
+        </p:sp>
+      </p:grpSp>
     </p:spTree>
     <p:extLst>
       <p:ext uri="{BB962C8B-B14F-4D97-AF65-F5344CB8AC3E}">
@@ -3821,13 +3844,13 @@
       </p:grpSpPr>
       <p:pic>
         <p:nvPicPr>
-          <p:cNvPr id="2" name="Picture 1"/>
+          <p:cNvPr id="4" name="Picture 3"/>
           <p:cNvPicPr>
             <a:picLocks noChangeAspect="1"/>
           </p:cNvPicPr>
           <p:nvPr/>
         </p:nvPicPr>
-        <p:blipFill rotWithShape="1">
+        <p:blipFill>
           <a:blip r:embed="rId2">
             <a:extLst>
               <a:ext uri="{28A0092B-C50C-407E-A947-70E740481C1C}">
@@ -3835,13 +3858,14 @@
               </a:ext>
             </a:extLst>
           </a:blip>
-          <a:srcRect l="7396" r="9375"/>
-          <a:stretch/>
+          <a:stretch>
+            <a:fillRect/>
+          </a:stretch>
         </p:blipFill>
         <p:spPr>
           <a:xfrm>
-            <a:off x="2533650" y="0"/>
-            <a:ext cx="2536824" cy="1828800"/>
+            <a:off x="67512" y="17947"/>
+            <a:ext cx="3007894" cy="1804737"/>
           </a:xfrm>
           <a:prstGeom prst="rect">
             <a:avLst/>
@@ -3850,13 +3874,13 @@
       </p:pic>
       <p:pic>
         <p:nvPicPr>
-          <p:cNvPr id="3" name="Picture 2"/>
+          <p:cNvPr id="7" name="Picture 6"/>
           <p:cNvPicPr>
             <a:picLocks noChangeAspect="1"/>
           </p:cNvPicPr>
           <p:nvPr/>
         </p:nvPicPr>
-        <p:blipFill rotWithShape="1">
+        <p:blipFill>
           <a:blip r:embed="rId3">
             <a:extLst>
               <a:ext uri="{28A0092B-C50C-407E-A947-70E740481C1C}">
@@ -3864,13 +3888,14 @@
               </a:ext>
             </a:extLst>
           </a:blip>
-          <a:srcRect l="7552" r="9375"/>
-          <a:stretch/>
+          <a:stretch>
+            <a:fillRect/>
+          </a:stretch>
         </p:blipFill>
         <p:spPr>
           <a:xfrm>
-            <a:off x="5039019" y="0"/>
-            <a:ext cx="2532063" cy="1828800"/>
+            <a:off x="12129" y="1804115"/>
+            <a:ext cx="3008376" cy="1805026"/>
           </a:xfrm>
           <a:prstGeom prst="rect">
             <a:avLst/>
@@ -3879,7 +3904,7 @@
       </p:pic>
       <p:pic>
         <p:nvPicPr>
-          <p:cNvPr id="4" name="Picture 3"/>
+          <p:cNvPr id="2" name="Picture 1"/>
           <p:cNvPicPr>
             <a:picLocks noChangeAspect="1"/>
           </p:cNvPicPr>
@@ -3893,13 +3918,13 @@
               </a:ext>
             </a:extLst>
           </a:blip>
-          <a:srcRect l="7500" r="9375"/>
+          <a:srcRect l="7295" r="-1145"/>
           <a:stretch/>
         </p:blipFill>
         <p:spPr>
           <a:xfrm>
-            <a:off x="0" y="0"/>
-            <a:ext cx="2533650" cy="1828800"/>
+            <a:off x="2221232" y="17947"/>
+            <a:ext cx="2823356" cy="1805025"/>
           </a:xfrm>
           <a:prstGeom prst="rect">
             <a:avLst/>
@@ -3908,7 +3933,7 @@
       </p:pic>
       <p:pic>
         <p:nvPicPr>
-          <p:cNvPr id="5" name="Picture 4"/>
+          <p:cNvPr id="3" name="Picture 2"/>
           <p:cNvPicPr>
             <a:picLocks noChangeAspect="1"/>
           </p:cNvPicPr>
@@ -3922,13 +3947,13 @@
               </a:ext>
             </a:extLst>
           </a:blip>
-          <a:srcRect l="9375" r="9375"/>
+          <a:srcRect l="7510"/>
           <a:stretch/>
         </p:blipFill>
         <p:spPr>
           <a:xfrm>
-            <a:off x="2533650" y="1792464"/>
-            <a:ext cx="2476500" cy="1828800"/>
+            <a:off x="4174648" y="17947"/>
+            <a:ext cx="2782438" cy="1805025"/>
           </a:xfrm>
           <a:prstGeom prst="rect">
             <a:avLst/>
@@ -3937,7 +3962,7 @@
       </p:pic>
       <p:pic>
         <p:nvPicPr>
-          <p:cNvPr id="6" name="Picture 5"/>
+          <p:cNvPr id="5" name="Picture 4"/>
           <p:cNvPicPr>
             <a:picLocks noChangeAspect="1"/>
           </p:cNvPicPr>
@@ -3951,13 +3976,13 @@
               </a:ext>
             </a:extLst>
           </a:blip>
-          <a:srcRect l="9375" r="9375"/>
+          <a:srcRect l="9781"/>
           <a:stretch/>
         </p:blipFill>
         <p:spPr>
           <a:xfrm>
-            <a:off x="5043098" y="1792464"/>
-            <a:ext cx="2476500" cy="1828800"/>
+            <a:off x="2241986" y="1804115"/>
+            <a:ext cx="2714115" cy="1805026"/>
           </a:xfrm>
           <a:prstGeom prst="rect">
             <a:avLst/>
@@ -3966,7 +3991,7 @@
       </p:pic>
       <p:pic>
         <p:nvPicPr>
-          <p:cNvPr id="7" name="Picture 6"/>
+          <p:cNvPr id="6" name="Picture 5"/>
           <p:cNvPicPr>
             <a:picLocks noChangeAspect="1"/>
           </p:cNvPicPr>
@@ -3980,13 +4005,13 @@
               </a:ext>
             </a:extLst>
           </a:blip>
-          <a:srcRect l="9375" r="9375"/>
+          <a:srcRect l="9993"/>
           <a:stretch/>
         </p:blipFill>
         <p:spPr>
           <a:xfrm>
-            <a:off x="-4760" y="1792464"/>
-            <a:ext cx="2476500" cy="1828800"/>
+            <a:off x="4194000" y="1804115"/>
+            <a:ext cx="2707753" cy="1805026"/>
           </a:xfrm>
           <a:prstGeom prst="rect">
             <a:avLst/>
@@ -4001,7 +4026,7 @@
         </p:nvSpPr>
         <p:spPr>
           <a:xfrm>
-            <a:off x="198142" y="57955"/>
+            <a:off x="490242" y="64133"/>
             <a:ext cx="264816" cy="292388"/>
           </a:xfrm>
           <a:prstGeom prst="rect">
@@ -4030,7 +4055,7 @@
         </p:nvSpPr>
         <p:spPr>
           <a:xfrm>
-            <a:off x="2747562" y="57955"/>
+            <a:off x="2426419" y="88845"/>
             <a:ext cx="272832" cy="292388"/>
           </a:xfrm>
           <a:prstGeom prst="rect">
@@ -4060,7 +4085,7 @@
         </p:nvSpPr>
         <p:spPr>
           <a:xfrm>
-            <a:off x="5236425" y="57955"/>
+            <a:off x="4393410" y="88845"/>
             <a:ext cx="255198" cy="292388"/>
           </a:xfrm>
           <a:prstGeom prst="rect">
@@ -4090,7 +4115,7 @@
         </p:nvSpPr>
         <p:spPr>
           <a:xfrm>
-            <a:off x="5236425" y="1874644"/>
+            <a:off x="4387232" y="1874644"/>
             <a:ext cx="235962" cy="292388"/>
           </a:xfrm>
           <a:prstGeom prst="rect">
@@ -4119,7 +4144,7 @@
         </p:nvSpPr>
         <p:spPr>
           <a:xfrm>
-            <a:off x="2744236" y="1874644"/>
+            <a:off x="2423093" y="1874644"/>
             <a:ext cx="268022" cy="292388"/>
           </a:xfrm>
           <a:prstGeom prst="rect">
@@ -4149,7 +4174,7 @@
         </p:nvSpPr>
         <p:spPr>
           <a:xfrm>
-            <a:off x="192086" y="1874644"/>
+            <a:off x="490364" y="1874644"/>
             <a:ext cx="272832" cy="292388"/>
           </a:xfrm>
           <a:prstGeom prst="rect">

--- a/analysis/figures/EnergyLandscapes.pptx
+++ b/analysis/figures/EnergyLandscapes.pptx
@@ -166,7 +166,7 @@
             </a:lvl1pPr>
           </a:lstStyle>
           <a:p>
-            <a:endParaRPr lang="en-US"/>
+            <a:endParaRPr lang="en-US" dirty="0"/>
           </a:p>
         </p:txBody>
       </p:sp>
@@ -199,9 +199,9 @@
           <a:p>
             <a:fld id="{0B4F8B35-81DE-1849-8D98-174003509F6C}" type="datetimeFigureOut">
               <a:rPr lang="en-US" smtClean="0"/>
-              <a:t>4/18/18</a:t>
+              <a:t>4/22/18</a:t>
             </a:fld>
-            <a:endParaRPr lang="en-US"/>
+            <a:endParaRPr lang="en-US" dirty="0"/>
           </a:p>
         </p:txBody>
       </p:sp>
@@ -234,7 +234,7 @@
           <a:bodyPr vert="horz" lIns="91440" tIns="45720" rIns="91440" bIns="45720" rtlCol="0" anchor="ctr"/>
           <a:lstStyle/>
           <a:p>
-            <a:endParaRPr lang="en-US"/>
+            <a:endParaRPr lang="en-US" dirty="0"/>
           </a:p>
         </p:txBody>
       </p:sp>
@@ -325,7 +325,7 @@
             </a:lvl1pPr>
           </a:lstStyle>
           <a:p>
-            <a:endParaRPr lang="en-US"/>
+            <a:endParaRPr lang="en-US" dirty="0"/>
           </a:p>
         </p:txBody>
       </p:sp>
@@ -360,7 +360,7 @@
               <a:rPr lang="en-US" smtClean="0"/>
               <a:t>‹#›</a:t>
             </a:fld>
-            <a:endParaRPr lang="en-US"/>
+            <a:endParaRPr lang="en-US" dirty="0"/>
           </a:p>
         </p:txBody>
       </p:sp>
@@ -467,6 +467,90 @@
 </p:notesMaster>
 </file>
 
+<file path=ppt/notesSlides/notesSlide1.xml><?xml version="1.0" encoding="utf-8"?>
+<p:notes xmlns:a="http://schemas.openxmlformats.org/drawingml/2006/main" xmlns:r="http://schemas.openxmlformats.org/officeDocument/2006/relationships" xmlns:p="http://schemas.openxmlformats.org/presentationml/2006/main">
+  <p:cSld>
+    <p:spTree>
+      <p:nvGrpSpPr>
+        <p:cNvPr id="1" name=""/>
+        <p:cNvGrpSpPr/>
+        <p:nvPr/>
+      </p:nvGrpSpPr>
+      <p:grpSpPr>
+        <a:xfrm>
+          <a:off x="0" y="0"/>
+          <a:ext cx="0" cy="0"/>
+          <a:chOff x="0" y="0"/>
+          <a:chExt cx="0" cy="0"/>
+        </a:xfrm>
+      </p:grpSpPr>
+      <p:sp>
+        <p:nvSpPr>
+          <p:cNvPr id="2" name="Slide Image Placeholder 1"/>
+          <p:cNvSpPr>
+            <a:spLocks noGrp="1" noRot="1" noChangeAspect="1"/>
+          </p:cNvSpPr>
+          <p:nvPr>
+            <p:ph type="sldImg"/>
+          </p:nvPr>
+        </p:nvSpPr>
+        <p:spPr/>
+      </p:sp>
+      <p:sp>
+        <p:nvSpPr>
+          <p:cNvPr id="3" name="Notes Placeholder 2"/>
+          <p:cNvSpPr>
+            <a:spLocks noGrp="1"/>
+          </p:cNvSpPr>
+          <p:nvPr>
+            <p:ph type="body" idx="1"/>
+          </p:nvPr>
+        </p:nvSpPr>
+        <p:spPr/>
+        <p:txBody>
+          <a:bodyPr/>
+          <a:lstStyle/>
+          <a:p>
+            <a:endParaRPr lang="en-US" dirty="0"/>
+          </a:p>
+        </p:txBody>
+      </p:sp>
+      <p:sp>
+        <p:nvSpPr>
+          <p:cNvPr id="4" name="Slide Number Placeholder 3"/>
+          <p:cNvSpPr>
+            <a:spLocks noGrp="1"/>
+          </p:cNvSpPr>
+          <p:nvPr>
+            <p:ph type="sldNum" sz="quarter" idx="10"/>
+          </p:nvPr>
+        </p:nvSpPr>
+        <p:spPr/>
+        <p:txBody>
+          <a:bodyPr/>
+          <a:lstStyle/>
+          <a:p>
+            <a:fld id="{E25F53F7-D579-7746-98B4-9B8062FA1CB6}" type="slidenum">
+              <a:rPr lang="en-US" smtClean="0"/>
+              <a:t>2</a:t>
+            </a:fld>
+            <a:endParaRPr lang="en-US" dirty="0"/>
+          </a:p>
+        </p:txBody>
+      </p:sp>
+    </p:spTree>
+    <p:extLst>
+      <p:ext uri="{BB962C8B-B14F-4D97-AF65-F5344CB8AC3E}">
+        <p14:creationId xmlns:p14="http://schemas.microsoft.com/office/powerpoint/2010/main" val="399795318"/>
+      </p:ext>
+    </p:extLst>
+  </p:cSld>
+  <p:clrMapOvr>
+    <a:masterClrMapping/>
+  </p:clrMapOvr>
+</p:notes>
+</file>
+
 <file path=ppt/slideLayouts/slideLayout1.xml><?xml version="1.0" encoding="utf-8"?>
 <p:sldLayout xmlns:a="http://schemas.openxmlformats.org/drawingml/2006/main" xmlns:r="http://schemas.openxmlformats.org/officeDocument/2006/relationships" xmlns:p="http://schemas.openxmlformats.org/presentationml/2006/main" type="title" preserve="1">
   <p:cSld name="Title Slide">
@@ -598,9 +682,9 @@
           <a:p>
             <a:fld id="{33BC8D5A-E84B-B741-9A1B-5FA3B60A2123}" type="datetimeFigureOut">
               <a:rPr lang="en-US" smtClean="0"/>
-              <a:t>4/18/18</a:t>
+              <a:t>4/22/18</a:t>
             </a:fld>
-            <a:endParaRPr lang="en-US"/>
+            <a:endParaRPr lang="en-US" dirty="0"/>
           </a:p>
         </p:txBody>
       </p:sp>
@@ -619,7 +703,7 @@
           <a:bodyPr/>
           <a:lstStyle/>
           <a:p>
-            <a:endParaRPr lang="en-US"/>
+            <a:endParaRPr lang="en-US" dirty="0"/>
           </a:p>
         </p:txBody>
       </p:sp>
@@ -642,7 +726,7 @@
               <a:rPr lang="en-US" smtClean="0"/>
               <a:t>‹#›</a:t>
             </a:fld>
-            <a:endParaRPr lang="en-US"/>
+            <a:endParaRPr lang="en-US" dirty="0"/>
           </a:p>
         </p:txBody>
       </p:sp>
@@ -763,9 +847,9 @@
           <a:p>
             <a:fld id="{33BC8D5A-E84B-B741-9A1B-5FA3B60A2123}" type="datetimeFigureOut">
               <a:rPr lang="en-US" smtClean="0"/>
-              <a:t>4/18/18</a:t>
+              <a:t>4/22/18</a:t>
             </a:fld>
-            <a:endParaRPr lang="en-US"/>
+            <a:endParaRPr lang="en-US" dirty="0"/>
           </a:p>
         </p:txBody>
       </p:sp>
@@ -784,7 +868,7 @@
           <a:bodyPr/>
           <a:lstStyle/>
           <a:p>
-            <a:endParaRPr lang="en-US"/>
+            <a:endParaRPr lang="en-US" dirty="0"/>
           </a:p>
         </p:txBody>
       </p:sp>
@@ -807,7 +891,7 @@
               <a:rPr lang="en-US" smtClean="0"/>
               <a:t>‹#›</a:t>
             </a:fld>
-            <a:endParaRPr lang="en-US"/>
+            <a:endParaRPr lang="en-US" dirty="0"/>
           </a:p>
         </p:txBody>
       </p:sp>
@@ -938,9 +1022,9 @@
           <a:p>
             <a:fld id="{33BC8D5A-E84B-B741-9A1B-5FA3B60A2123}" type="datetimeFigureOut">
               <a:rPr lang="en-US" smtClean="0"/>
-              <a:t>4/18/18</a:t>
+              <a:t>4/22/18</a:t>
             </a:fld>
-            <a:endParaRPr lang="en-US"/>
+            <a:endParaRPr lang="en-US" dirty="0"/>
           </a:p>
         </p:txBody>
       </p:sp>
@@ -959,7 +1043,7 @@
           <a:bodyPr/>
           <a:lstStyle/>
           <a:p>
-            <a:endParaRPr lang="en-US"/>
+            <a:endParaRPr lang="en-US" dirty="0"/>
           </a:p>
         </p:txBody>
       </p:sp>
@@ -982,7 +1066,7 @@
               <a:rPr lang="en-US" smtClean="0"/>
               <a:t>‹#›</a:t>
             </a:fld>
-            <a:endParaRPr lang="en-US"/>
+            <a:endParaRPr lang="en-US" dirty="0"/>
           </a:p>
         </p:txBody>
       </p:sp>
@@ -1103,9 +1187,9 @@
           <a:p>
             <a:fld id="{33BC8D5A-E84B-B741-9A1B-5FA3B60A2123}" type="datetimeFigureOut">
               <a:rPr lang="en-US" smtClean="0"/>
-              <a:t>4/18/18</a:t>
+              <a:t>4/22/18</a:t>
             </a:fld>
-            <a:endParaRPr lang="en-US"/>
+            <a:endParaRPr lang="en-US" dirty="0"/>
           </a:p>
         </p:txBody>
       </p:sp>
@@ -1124,7 +1208,7 @@
           <a:bodyPr/>
           <a:lstStyle/>
           <a:p>
-            <a:endParaRPr lang="en-US"/>
+            <a:endParaRPr lang="en-US" dirty="0"/>
           </a:p>
         </p:txBody>
       </p:sp>
@@ -1147,7 +1231,7 @@
               <a:rPr lang="en-US" smtClean="0"/>
               <a:t>‹#›</a:t>
             </a:fld>
-            <a:endParaRPr lang="en-US"/>
+            <a:endParaRPr lang="en-US" dirty="0"/>
           </a:p>
         </p:txBody>
       </p:sp>
@@ -1342,9 +1426,9 @@
           <a:p>
             <a:fld id="{33BC8D5A-E84B-B741-9A1B-5FA3B60A2123}" type="datetimeFigureOut">
               <a:rPr lang="en-US" smtClean="0"/>
-              <a:t>4/18/18</a:t>
+              <a:t>4/22/18</a:t>
             </a:fld>
-            <a:endParaRPr lang="en-US"/>
+            <a:endParaRPr lang="en-US" dirty="0"/>
           </a:p>
         </p:txBody>
       </p:sp>
@@ -1363,7 +1447,7 @@
           <a:bodyPr/>
           <a:lstStyle/>
           <a:p>
-            <a:endParaRPr lang="en-US"/>
+            <a:endParaRPr lang="en-US" dirty="0"/>
           </a:p>
         </p:txBody>
       </p:sp>
@@ -1386,7 +1470,7 @@
               <a:rPr lang="en-US" smtClean="0"/>
               <a:t>‹#›</a:t>
             </a:fld>
-            <a:endParaRPr lang="en-US"/>
+            <a:endParaRPr lang="en-US" dirty="0"/>
           </a:p>
         </p:txBody>
       </p:sp>
@@ -1569,9 +1653,9 @@
           <a:p>
             <a:fld id="{33BC8D5A-E84B-B741-9A1B-5FA3B60A2123}" type="datetimeFigureOut">
               <a:rPr lang="en-US" smtClean="0"/>
-              <a:t>4/18/18</a:t>
+              <a:t>4/22/18</a:t>
             </a:fld>
-            <a:endParaRPr lang="en-US"/>
+            <a:endParaRPr lang="en-US" dirty="0"/>
           </a:p>
         </p:txBody>
       </p:sp>
@@ -1590,7 +1674,7 @@
           <a:bodyPr/>
           <a:lstStyle/>
           <a:p>
-            <a:endParaRPr lang="en-US"/>
+            <a:endParaRPr lang="en-US" dirty="0"/>
           </a:p>
         </p:txBody>
       </p:sp>
@@ -1613,7 +1697,7 @@
               <a:rPr lang="en-US" smtClean="0"/>
               <a:t>‹#›</a:t>
             </a:fld>
-            <a:endParaRPr lang="en-US"/>
+            <a:endParaRPr lang="en-US" dirty="0"/>
           </a:p>
         </p:txBody>
       </p:sp>
@@ -1931,9 +2015,9 @@
           <a:p>
             <a:fld id="{33BC8D5A-E84B-B741-9A1B-5FA3B60A2123}" type="datetimeFigureOut">
               <a:rPr lang="en-US" smtClean="0"/>
-              <a:t>4/18/18</a:t>
+              <a:t>4/22/18</a:t>
             </a:fld>
-            <a:endParaRPr lang="en-US"/>
+            <a:endParaRPr lang="en-US" dirty="0"/>
           </a:p>
         </p:txBody>
       </p:sp>
@@ -1952,7 +2036,7 @@
           <a:bodyPr/>
           <a:lstStyle/>
           <a:p>
-            <a:endParaRPr lang="en-US"/>
+            <a:endParaRPr lang="en-US" dirty="0"/>
           </a:p>
         </p:txBody>
       </p:sp>
@@ -1975,7 +2059,7 @@
               <a:rPr lang="en-US" smtClean="0"/>
               <a:t>‹#›</a:t>
             </a:fld>
-            <a:endParaRPr lang="en-US"/>
+            <a:endParaRPr lang="en-US" dirty="0"/>
           </a:p>
         </p:txBody>
       </p:sp>
@@ -2044,9 +2128,9 @@
           <a:p>
             <a:fld id="{33BC8D5A-E84B-B741-9A1B-5FA3B60A2123}" type="datetimeFigureOut">
               <a:rPr lang="en-US" smtClean="0"/>
-              <a:t>4/18/18</a:t>
+              <a:t>4/22/18</a:t>
             </a:fld>
-            <a:endParaRPr lang="en-US"/>
+            <a:endParaRPr lang="en-US" dirty="0"/>
           </a:p>
         </p:txBody>
       </p:sp>
@@ -2065,7 +2149,7 @@
           <a:bodyPr/>
           <a:lstStyle/>
           <a:p>
-            <a:endParaRPr lang="en-US"/>
+            <a:endParaRPr lang="en-US" dirty="0"/>
           </a:p>
         </p:txBody>
       </p:sp>
@@ -2088,7 +2172,7 @@
               <a:rPr lang="en-US" smtClean="0"/>
               <a:t>‹#›</a:t>
             </a:fld>
-            <a:endParaRPr lang="en-US"/>
+            <a:endParaRPr lang="en-US" dirty="0"/>
           </a:p>
         </p:txBody>
       </p:sp>
@@ -2134,9 +2218,9 @@
           <a:p>
             <a:fld id="{33BC8D5A-E84B-B741-9A1B-5FA3B60A2123}" type="datetimeFigureOut">
               <a:rPr lang="en-US" smtClean="0"/>
-              <a:t>4/18/18</a:t>
+              <a:t>4/22/18</a:t>
             </a:fld>
-            <a:endParaRPr lang="en-US"/>
+            <a:endParaRPr lang="en-US" dirty="0"/>
           </a:p>
         </p:txBody>
       </p:sp>
@@ -2155,7 +2239,7 @@
           <a:bodyPr/>
           <a:lstStyle/>
           <a:p>
-            <a:endParaRPr lang="en-US"/>
+            <a:endParaRPr lang="en-US" dirty="0"/>
           </a:p>
         </p:txBody>
       </p:sp>
@@ -2178,7 +2262,7 @@
               <a:rPr lang="en-US" smtClean="0"/>
               <a:t>‹#›</a:t>
             </a:fld>
-            <a:endParaRPr lang="en-US"/>
+            <a:endParaRPr lang="en-US" dirty="0"/>
           </a:p>
         </p:txBody>
       </p:sp>
@@ -2406,9 +2490,9 @@
           <a:p>
             <a:fld id="{33BC8D5A-E84B-B741-9A1B-5FA3B60A2123}" type="datetimeFigureOut">
               <a:rPr lang="en-US" smtClean="0"/>
-              <a:t>4/18/18</a:t>
+              <a:t>4/22/18</a:t>
             </a:fld>
-            <a:endParaRPr lang="en-US"/>
+            <a:endParaRPr lang="en-US" dirty="0"/>
           </a:p>
         </p:txBody>
       </p:sp>
@@ -2427,7 +2511,7 @@
           <a:bodyPr/>
           <a:lstStyle/>
           <a:p>
-            <a:endParaRPr lang="en-US"/>
+            <a:endParaRPr lang="en-US" dirty="0"/>
           </a:p>
         </p:txBody>
       </p:sp>
@@ -2450,7 +2534,7 @@
               <a:rPr lang="en-US" smtClean="0"/>
               <a:t>‹#›</a:t>
             </a:fld>
-            <a:endParaRPr lang="en-US"/>
+            <a:endParaRPr lang="en-US" dirty="0"/>
           </a:p>
         </p:txBody>
       </p:sp>
@@ -2569,7 +2653,7 @@
           </a:lstStyle>
           <a:p>
             <a:r>
-              <a:rPr lang="en-US" smtClean="0"/>
+              <a:rPr lang="en-US" dirty="0" smtClean="0"/>
               <a:t>Drag picture to placeholder or click icon to add</a:t>
             </a:r>
             <a:endParaRPr lang="en-US" dirty="0"/>
@@ -2658,9 +2742,9 @@
           <a:p>
             <a:fld id="{33BC8D5A-E84B-B741-9A1B-5FA3B60A2123}" type="datetimeFigureOut">
               <a:rPr lang="en-US" smtClean="0"/>
-              <a:t>4/18/18</a:t>
+              <a:t>4/22/18</a:t>
             </a:fld>
-            <a:endParaRPr lang="en-US"/>
+            <a:endParaRPr lang="en-US" dirty="0"/>
           </a:p>
         </p:txBody>
       </p:sp>
@@ -2679,7 +2763,7 @@
           <a:bodyPr/>
           <a:lstStyle/>
           <a:p>
-            <a:endParaRPr lang="en-US"/>
+            <a:endParaRPr lang="en-US" dirty="0"/>
           </a:p>
         </p:txBody>
       </p:sp>
@@ -2702,7 +2786,7 @@
               <a:rPr lang="en-US" smtClean="0"/>
               <a:t>‹#›</a:t>
             </a:fld>
-            <a:endParaRPr lang="en-US"/>
+            <a:endParaRPr lang="en-US" dirty="0"/>
           </a:p>
         </p:txBody>
       </p:sp>
@@ -2866,9 +2950,9 @@
           <a:p>
             <a:fld id="{33BC8D5A-E84B-B741-9A1B-5FA3B60A2123}" type="datetimeFigureOut">
               <a:rPr lang="en-US" smtClean="0"/>
-              <a:t>4/18/18</a:t>
+              <a:t>4/22/18</a:t>
             </a:fld>
-            <a:endParaRPr lang="en-US"/>
+            <a:endParaRPr lang="en-US" dirty="0"/>
           </a:p>
         </p:txBody>
       </p:sp>
@@ -2905,7 +2989,7 @@
             </a:lvl1pPr>
           </a:lstStyle>
           <a:p>
-            <a:endParaRPr lang="en-US"/>
+            <a:endParaRPr lang="en-US" dirty="0"/>
           </a:p>
         </p:txBody>
       </p:sp>
@@ -2946,7 +3030,7 @@
               <a:rPr lang="en-US" smtClean="0"/>
               <a:t>‹#›</a:t>
             </a:fld>
-            <a:endParaRPr lang="en-US"/>
+            <a:endParaRPr lang="en-US" dirty="0"/>
           </a:p>
         </p:txBody>
       </p:sp>
@@ -3273,16 +3357,16 @@
       </p:grpSpPr>
       <p:grpSp>
         <p:nvGrpSpPr>
-          <p:cNvPr id="2" name="Group 1"/>
+          <p:cNvPr id="3" name="Group 2"/>
           <p:cNvGrpSpPr/>
           <p:nvPr/>
         </p:nvGrpSpPr>
         <p:grpSpPr>
           <a:xfrm>
-            <a:off x="1971497" y="-4233"/>
-            <a:ext cx="4476250" cy="4094290"/>
-            <a:chOff x="1970860" y="-3331"/>
-            <a:chExt cx="3522428" cy="3221849"/>
+            <a:off x="1971493" y="-4231"/>
+            <a:ext cx="5065679" cy="4570053"/>
+            <a:chOff x="1971494" y="-4231"/>
+            <a:chExt cx="4484024" cy="4099541"/>
           </a:xfrm>
         </p:grpSpPr>
         <p:pic>
@@ -3307,8 +3391,8 @@
           </p:blipFill>
           <p:spPr>
             <a:xfrm>
-              <a:off x="1970860" y="-1"/>
-              <a:ext cx="1439108" cy="1349163"/>
+              <a:off x="1971497" y="1"/>
+              <a:ext cx="1828797" cy="1714497"/>
             </a:xfrm>
             <a:prstGeom prst="rect">
               <a:avLst/>
@@ -3337,8 +3421,8 @@
           </p:blipFill>
           <p:spPr>
             <a:xfrm>
-              <a:off x="3021703" y="-1"/>
-              <a:ext cx="1439108" cy="1349163"/>
+              <a:off x="3306893" y="1"/>
+              <a:ext cx="1828797" cy="1714497"/>
             </a:xfrm>
             <a:prstGeom prst="rect">
               <a:avLst/>
@@ -3361,13 +3445,13 @@
                 </a:ext>
               </a:extLst>
             </a:blip>
-            <a:srcRect t="15727"/>
+            <a:srcRect t="15083"/>
             <a:stretch/>
           </p:blipFill>
           <p:spPr>
             <a:xfrm>
-              <a:off x="1970860" y="1139294"/>
-              <a:ext cx="1439108" cy="1136983"/>
+              <a:off x="1978849" y="1434868"/>
+              <a:ext cx="1828800" cy="1455902"/>
             </a:xfrm>
             <a:prstGeom prst="rect">
               <a:avLst/>
@@ -3390,13 +3474,13 @@
                 </a:ext>
               </a:extLst>
             </a:blip>
-            <a:srcRect t="15727"/>
+            <a:srcRect t="15555"/>
             <a:stretch/>
           </p:blipFill>
           <p:spPr>
             <a:xfrm>
-              <a:off x="3021703" y="1139294"/>
-              <a:ext cx="1439108" cy="1136982"/>
+              <a:off x="3306893" y="1442966"/>
+              <a:ext cx="1828800" cy="1447804"/>
             </a:xfrm>
             <a:prstGeom prst="rect">
               <a:avLst/>
@@ -3419,13 +3503,13 @@
                 </a:ext>
               </a:extLst>
             </a:blip>
-            <a:srcRect t="16183"/>
+            <a:srcRect t="15002"/>
             <a:stretch/>
           </p:blipFill>
           <p:spPr>
             <a:xfrm>
-              <a:off x="1970860" y="2072377"/>
-              <a:ext cx="1439108" cy="1130831"/>
+              <a:off x="1971494" y="2630464"/>
+              <a:ext cx="1828800" cy="1457284"/>
             </a:xfrm>
             <a:prstGeom prst="rect">
               <a:avLst/>
@@ -3448,13 +3532,13 @@
                 </a:ext>
               </a:extLst>
             </a:blip>
-            <a:srcRect t="16108"/>
+            <a:srcRect t="15870"/>
             <a:stretch/>
           </p:blipFill>
           <p:spPr>
             <a:xfrm>
-              <a:off x="3021703" y="2081081"/>
-              <a:ext cx="1439108" cy="1131839"/>
+              <a:off x="3306890" y="2646471"/>
+              <a:ext cx="1828800" cy="1442408"/>
             </a:xfrm>
             <a:prstGeom prst="rect">
               <a:avLst/>
@@ -3469,8 +3553,8 @@
           </p:nvSpPr>
           <p:spPr>
             <a:xfrm>
-              <a:off x="2087628" y="183911"/>
-              <a:ext cx="258404" cy="276999"/>
+              <a:off x="2119884" y="233712"/>
+              <a:ext cx="328376" cy="352007"/>
             </a:xfrm>
             <a:prstGeom prst="rect">
               <a:avLst/>
@@ -3484,7 +3568,7 @@
             <a:lstStyle/>
             <a:p>
               <a:r>
-                <a:rPr lang="en-US" sz="1200"/>
+                <a:rPr lang="en-US" sz="1200" dirty="0"/>
                 <a:t>a</a:t>
               </a:r>
             </a:p>
@@ -3498,8 +3582,8 @@
           </p:nvSpPr>
           <p:spPr>
             <a:xfrm>
-              <a:off x="3139409" y="210984"/>
-              <a:ext cx="264816" cy="276999"/>
+              <a:off x="3456472" y="268116"/>
+              <a:ext cx="336524" cy="352007"/>
             </a:xfrm>
             <a:prstGeom prst="rect">
               <a:avLst/>
@@ -3527,8 +3611,8 @@
           </p:nvSpPr>
           <p:spPr>
             <a:xfrm>
-              <a:off x="3142740" y="1119620"/>
-              <a:ext cx="261610" cy="276999"/>
+              <a:off x="3460705" y="1422801"/>
+              <a:ext cx="332450" cy="352007"/>
             </a:xfrm>
             <a:prstGeom prst="rect">
               <a:avLst/>
@@ -3556,8 +3640,8 @@
           </p:nvSpPr>
           <p:spPr>
             <a:xfrm>
-              <a:off x="2087628" y="1140031"/>
-              <a:ext cx="264816" cy="276999"/>
+              <a:off x="2119884" y="1448739"/>
+              <a:ext cx="336524" cy="352007"/>
             </a:xfrm>
             <a:prstGeom prst="rect">
               <a:avLst/>
@@ -3585,8 +3669,8 @@
           </p:nvSpPr>
           <p:spPr>
             <a:xfrm>
-              <a:off x="2089229" y="2048948"/>
-              <a:ext cx="256802" cy="276999"/>
+              <a:off x="2121919" y="2603780"/>
+              <a:ext cx="326340" cy="352007"/>
             </a:xfrm>
             <a:prstGeom prst="rect">
               <a:avLst/>
@@ -3614,8 +3698,8 @@
           </p:nvSpPr>
           <p:spPr>
             <a:xfrm>
-              <a:off x="3141063" y="2073115"/>
-              <a:ext cx="264816" cy="276999"/>
+              <a:off x="3458574" y="2634492"/>
+              <a:ext cx="336524" cy="352007"/>
             </a:xfrm>
             <a:prstGeom prst="rect">
               <a:avLst/>
@@ -3657,8 +3741,8 @@
           </p:blipFill>
           <p:spPr>
             <a:xfrm>
-              <a:off x="4050343" y="-3331"/>
-              <a:ext cx="1442661" cy="1352494"/>
+              <a:off x="4614074" y="-4231"/>
+              <a:ext cx="1833313" cy="1718730"/>
             </a:xfrm>
             <a:prstGeom prst="rect">
               <a:avLst/>
@@ -3681,13 +3765,13 @@
                 </a:ext>
               </a:extLst>
             </a:blip>
-            <a:srcRect t="16262"/>
+            <a:srcRect t="14801"/>
             <a:stretch/>
           </p:blipFill>
           <p:spPr>
             <a:xfrm>
-              <a:off x="4050343" y="1149471"/>
-              <a:ext cx="1442945" cy="1132776"/>
+              <a:off x="4619363" y="1442966"/>
+              <a:ext cx="1828800" cy="1460738"/>
             </a:xfrm>
             <a:prstGeom prst="rect">
               <a:avLst/>
@@ -3710,13 +3794,13 @@
                 </a:ext>
               </a:extLst>
             </a:blip>
-            <a:srcRect t="15501"/>
+            <a:srcRect t="14549"/>
             <a:stretch/>
           </p:blipFill>
           <p:spPr>
             <a:xfrm>
-              <a:off x="4050343" y="2078488"/>
-              <a:ext cx="1439108" cy="1140030"/>
+              <a:off x="4626718" y="2630259"/>
+              <a:ext cx="1828800" cy="1465051"/>
             </a:xfrm>
             <a:prstGeom prst="rect">
               <a:avLst/>
@@ -3731,8 +3815,8 @@
           </p:nvSpPr>
           <p:spPr>
             <a:xfrm>
-              <a:off x="4192974" y="185163"/>
-              <a:ext cx="250390" cy="276999"/>
+              <a:off x="4795327" y="235303"/>
+              <a:ext cx="318192" cy="352007"/>
             </a:xfrm>
             <a:prstGeom prst="rect">
               <a:avLst/>
@@ -3760,8 +3844,8 @@
           </p:nvSpPr>
           <p:spPr>
             <a:xfrm>
-              <a:off x="4195881" y="1140031"/>
-              <a:ext cx="231154" cy="276999"/>
+              <a:off x="4799021" y="1448739"/>
+              <a:ext cx="293747" cy="352007"/>
             </a:xfrm>
             <a:prstGeom prst="rect">
               <a:avLst/>
@@ -3789,8 +3873,8 @@
           </p:nvSpPr>
           <p:spPr>
             <a:xfrm>
-              <a:off x="4194491" y="2069784"/>
-              <a:ext cx="219932" cy="276999"/>
+              <a:off x="4797255" y="2630259"/>
+              <a:ext cx="279486" cy="352007"/>
             </a:xfrm>
             <a:prstGeom prst="rect">
               <a:avLst/>
@@ -3804,10 +3888,9 @@
             <a:lstStyle/>
             <a:p>
               <a:r>
-                <a:rPr lang="en-US" sz="1200" dirty="0" err="1"/>
+                <a:rPr lang="en-US" sz="1200" dirty="0"/>
                 <a:t>i</a:t>
               </a:r>
-              <a:endParaRPr lang="en-US" sz="1200" dirty="0"/>
             </a:p>
           </p:txBody>
         </p:sp>
@@ -3844,36 +3927,6 @@
       </p:grpSpPr>
       <p:pic>
         <p:nvPicPr>
-          <p:cNvPr id="4" name="Picture 3"/>
-          <p:cNvPicPr>
-            <a:picLocks noChangeAspect="1"/>
-          </p:cNvPicPr>
-          <p:nvPr/>
-        </p:nvPicPr>
-        <p:blipFill>
-          <a:blip r:embed="rId2">
-            <a:extLst>
-              <a:ext uri="{28A0092B-C50C-407E-A947-70E740481C1C}">
-                <a14:useLocalDpi xmlns:a14="http://schemas.microsoft.com/office/drawing/2010/main" val="0"/>
-              </a:ext>
-            </a:extLst>
-          </a:blip>
-          <a:stretch>
-            <a:fillRect/>
-          </a:stretch>
-        </p:blipFill>
-        <p:spPr>
-          <a:xfrm>
-            <a:off x="67512" y="17947"/>
-            <a:ext cx="3007894" cy="1804737"/>
-          </a:xfrm>
-          <a:prstGeom prst="rect">
-            <a:avLst/>
-          </a:prstGeom>
-        </p:spPr>
-      </p:pic>
-      <p:pic>
-        <p:nvPicPr>
           <p:cNvPr id="7" name="Picture 6"/>
           <p:cNvPicPr>
             <a:picLocks noChangeAspect="1"/>
@@ -3894,8 +3947,8 @@
         </p:blipFill>
         <p:spPr>
           <a:xfrm>
-            <a:off x="12129" y="1804115"/>
-            <a:ext cx="3008376" cy="1805026"/>
+            <a:off x="12129" y="1785065"/>
+            <a:ext cx="3008376" cy="1805025"/>
           </a:xfrm>
           <a:prstGeom prst="rect">
             <a:avLst/>
@@ -3904,13 +3957,13 @@
       </p:pic>
       <p:pic>
         <p:nvPicPr>
-          <p:cNvPr id="2" name="Picture 1"/>
+          <p:cNvPr id="4" name="Picture 3"/>
           <p:cNvPicPr>
             <a:picLocks noChangeAspect="1"/>
           </p:cNvPicPr>
           <p:nvPr/>
         </p:nvPicPr>
-        <p:blipFill rotWithShape="1">
+        <p:blipFill>
           <a:blip r:embed="rId4">
             <a:extLst>
               <a:ext uri="{28A0092B-C50C-407E-A947-70E740481C1C}">
@@ -3918,13 +3971,14 @@
               </a:ext>
             </a:extLst>
           </a:blip>
-          <a:srcRect l="7295" r="-1145"/>
-          <a:stretch/>
+          <a:stretch>
+            <a:fillRect/>
+          </a:stretch>
         </p:blipFill>
         <p:spPr>
           <a:xfrm>
-            <a:off x="2221232" y="17947"/>
-            <a:ext cx="2823356" cy="1805025"/>
+            <a:off x="67512" y="17947"/>
+            <a:ext cx="3007894" cy="1804736"/>
           </a:xfrm>
           <a:prstGeom prst="rect">
             <a:avLst/>
@@ -3933,7 +3987,7 @@
       </p:pic>
       <p:pic>
         <p:nvPicPr>
-          <p:cNvPr id="3" name="Picture 2"/>
+          <p:cNvPr id="2" name="Picture 1"/>
           <p:cNvPicPr>
             <a:picLocks noChangeAspect="1"/>
           </p:cNvPicPr>
@@ -3947,13 +4001,13 @@
               </a:ext>
             </a:extLst>
           </a:blip>
-          <a:srcRect l="7510"/>
+          <a:srcRect l="6710"/>
           <a:stretch/>
         </p:blipFill>
         <p:spPr>
           <a:xfrm>
-            <a:off x="4174648" y="17947"/>
-            <a:ext cx="2782438" cy="1805025"/>
+            <a:off x="2244187" y="16677"/>
+            <a:ext cx="2806515" cy="1805025"/>
           </a:xfrm>
           <a:prstGeom prst="rect">
             <a:avLst/>
@@ -3962,7 +4016,7 @@
       </p:pic>
       <p:pic>
         <p:nvPicPr>
-          <p:cNvPr id="5" name="Picture 4"/>
+          <p:cNvPr id="3" name="Picture 2"/>
           <p:cNvPicPr>
             <a:picLocks noChangeAspect="1"/>
           </p:cNvPicPr>
@@ -3976,13 +4030,13 @@
               </a:ext>
             </a:extLst>
           </a:blip>
-          <a:srcRect l="9781"/>
+          <a:srcRect l="7067"/>
           <a:stretch/>
         </p:blipFill>
         <p:spPr>
           <a:xfrm>
-            <a:off x="2241986" y="1804115"/>
-            <a:ext cx="2714115" cy="1805026"/>
+            <a:off x="4208327" y="16252"/>
+            <a:ext cx="2795792" cy="1805025"/>
           </a:xfrm>
           <a:prstGeom prst="rect">
             <a:avLst/>
@@ -3991,7 +4045,7 @@
       </p:pic>
       <p:pic>
         <p:nvPicPr>
-          <p:cNvPr id="6" name="Picture 5"/>
+          <p:cNvPr id="5" name="Picture 4"/>
           <p:cNvPicPr>
             <a:picLocks noChangeAspect="1"/>
           </p:cNvPicPr>
@@ -4005,13 +4059,42 @@
               </a:ext>
             </a:extLst>
           </a:blip>
-          <a:srcRect l="9993"/>
+          <a:srcRect l="7723" r="-1"/>
           <a:stretch/>
         </p:blipFill>
         <p:spPr>
           <a:xfrm>
-            <a:off x="4194000" y="1804115"/>
-            <a:ext cx="2707753" cy="1805026"/>
+            <a:off x="2220036" y="1783370"/>
+            <a:ext cx="2776061" cy="1805025"/>
+          </a:xfrm>
+          <a:prstGeom prst="rect">
+            <a:avLst/>
+          </a:prstGeom>
+        </p:spPr>
+      </p:pic>
+      <p:pic>
+        <p:nvPicPr>
+          <p:cNvPr id="6" name="Picture 5"/>
+          <p:cNvPicPr>
+            <a:picLocks noChangeAspect="1"/>
+          </p:cNvPicPr>
+          <p:nvPr/>
+        </p:nvPicPr>
+        <p:blipFill rotWithShape="1">
+          <a:blip r:embed="rId8">
+            <a:extLst>
+              <a:ext uri="{28A0092B-C50C-407E-A947-70E740481C1C}">
+                <a14:useLocalDpi xmlns:a14="http://schemas.microsoft.com/office/drawing/2010/main" val="0"/>
+              </a:ext>
+            </a:extLst>
+          </a:blip>
+          <a:srcRect l="10030"/>
+          <a:stretch/>
+        </p:blipFill>
+        <p:spPr>
+          <a:xfrm>
+            <a:off x="4252109" y="1781675"/>
+            <a:ext cx="2706632" cy="1805025"/>
           </a:xfrm>
           <a:prstGeom prst="rect">
             <a:avLst/>
@@ -4041,7 +4124,7 @@
           <a:lstStyle/>
           <a:p>
             <a:r>
-              <a:rPr lang="en-US" sz="1300"/>
+              <a:rPr lang="en-US" sz="1300" dirty="0"/>
               <a:t>a</a:t>
             </a:r>
           </a:p>
@@ -4284,7 +4367,7 @@
             <a:lstStyle/>
             <a:p>
               <a:pPr algn="ctr"/>
-              <a:endParaRPr lang="en-US"/>
+              <a:endParaRPr lang="en-US" dirty="0"/>
             </a:p>
           </p:txBody>
         </p:sp>
@@ -4897,7 +4980,7 @@
             <a:lstStyle/>
             <a:p>
               <a:pPr algn="ctr"/>
-              <a:endParaRPr lang="en-US"/>
+              <a:endParaRPr lang="en-US" dirty="0"/>
             </a:p>
           </p:txBody>
         </p:sp>
@@ -5499,7 +5582,7 @@
             <a:lstStyle/>
             <a:p>
               <a:pPr algn="ctr"/>
-              <a:endParaRPr lang="en-US"/>
+              <a:endParaRPr lang="en-US" dirty="0"/>
             </a:p>
           </p:txBody>
         </p:sp>
@@ -5546,7 +5629,7 @@
             <a:lstStyle/>
             <a:p>
               <a:pPr algn="ctr"/>
-              <a:endParaRPr lang="en-US"/>
+              <a:endParaRPr lang="en-US" dirty="0"/>
             </a:p>
           </p:txBody>
         </p:sp>
@@ -5587,7 +5670,7 @@
           <a:lstStyle/>
           <a:p>
             <a:pPr algn="ctr"/>
-            <a:endParaRPr lang="en-US"/>
+            <a:endParaRPr lang="en-US" dirty="0"/>
           </a:p>
         </p:txBody>
       </p:sp>
@@ -5634,7 +5717,7 @@
           <a:lstStyle/>
           <a:p>
             <a:pPr algn="ctr"/>
-            <a:endParaRPr lang="en-US"/>
+            <a:endParaRPr lang="en-US" dirty="0"/>
           </a:p>
         </p:txBody>
       </p:sp>
@@ -5762,7 +5845,7 @@
           <a:lstStyle/>
           <a:p>
             <a:pPr algn="ctr"/>
-            <a:endParaRPr lang="en-US"/>
+            <a:endParaRPr lang="en-US" dirty="0"/>
           </a:p>
         </p:txBody>
       </p:sp>
@@ -5808,7 +5891,7 @@
           <a:lstStyle/>
           <a:p>
             <a:pPr algn="ctr"/>
-            <a:endParaRPr lang="en-US"/>
+            <a:endParaRPr lang="en-US" dirty="0"/>
           </a:p>
         </p:txBody>
       </p:sp>
@@ -5854,7 +5937,7 @@
           <a:lstStyle/>
           <a:p>
             <a:pPr algn="ctr"/>
-            <a:endParaRPr lang="en-US"/>
+            <a:endParaRPr lang="en-US" dirty="0"/>
           </a:p>
         </p:txBody>
       </p:sp>
@@ -5900,7 +5983,7 @@
           <a:lstStyle/>
           <a:p>
             <a:pPr algn="ctr"/>
-            <a:endParaRPr lang="en-US"/>
+            <a:endParaRPr lang="en-US" dirty="0"/>
           </a:p>
         </p:txBody>
       </p:sp>
@@ -5946,7 +6029,7 @@
           <a:lstStyle/>
           <a:p>
             <a:pPr algn="ctr"/>
-            <a:endParaRPr lang="en-US"/>
+            <a:endParaRPr lang="en-US" dirty="0"/>
           </a:p>
         </p:txBody>
       </p:sp>
@@ -5992,7 +6075,7 @@
           <a:lstStyle/>
           <a:p>
             <a:pPr algn="ctr"/>
-            <a:endParaRPr lang="en-US"/>
+            <a:endParaRPr lang="en-US" dirty="0"/>
           </a:p>
         </p:txBody>
       </p:sp>
@@ -6038,7 +6121,7 @@
           <a:lstStyle/>
           <a:p>
             <a:pPr algn="ctr"/>
-            <a:endParaRPr lang="en-US"/>
+            <a:endParaRPr lang="en-US" dirty="0"/>
           </a:p>
         </p:txBody>
       </p:sp>
@@ -6084,7 +6167,7 @@
           <a:lstStyle/>
           <a:p>
             <a:pPr algn="ctr"/>
-            <a:endParaRPr lang="en-US"/>
+            <a:endParaRPr lang="en-US" dirty="0"/>
           </a:p>
         </p:txBody>
       </p:sp>
@@ -6130,7 +6213,7 @@
           <a:lstStyle/>
           <a:p>
             <a:pPr algn="ctr"/>
-            <a:endParaRPr lang="en-US"/>
+            <a:endParaRPr lang="en-US" dirty="0"/>
           </a:p>
         </p:txBody>
       </p:sp>
@@ -6176,7 +6259,7 @@
           <a:lstStyle/>
           <a:p>
             <a:pPr algn="ctr"/>
-            <a:endParaRPr lang="en-US"/>
+            <a:endParaRPr lang="en-US" dirty="0"/>
           </a:p>
         </p:txBody>
       </p:sp>
@@ -6222,7 +6305,7 @@
           <a:lstStyle/>
           <a:p>
             <a:pPr algn="ctr"/>
-            <a:endParaRPr lang="en-US"/>
+            <a:endParaRPr lang="en-US" dirty="0"/>
           </a:p>
         </p:txBody>
       </p:sp>
@@ -6268,7 +6351,7 @@
           <a:lstStyle/>
           <a:p>
             <a:pPr algn="ctr"/>
-            <a:endParaRPr lang="en-US"/>
+            <a:endParaRPr lang="en-US" dirty="0"/>
           </a:p>
         </p:txBody>
       </p:sp>
@@ -6314,7 +6397,7 @@
           <a:lstStyle/>
           <a:p>
             <a:pPr algn="ctr"/>
-            <a:endParaRPr lang="en-US"/>
+            <a:endParaRPr lang="en-US" dirty="0"/>
           </a:p>
         </p:txBody>
       </p:sp>
@@ -6360,7 +6443,7 @@
           <a:lstStyle/>
           <a:p>
             <a:pPr algn="ctr"/>
-            <a:endParaRPr lang="en-US"/>
+            <a:endParaRPr lang="en-US" dirty="0"/>
           </a:p>
         </p:txBody>
       </p:sp>
@@ -6406,7 +6489,7 @@
           <a:lstStyle/>
           <a:p>
             <a:pPr algn="ctr"/>
-            <a:endParaRPr lang="en-US"/>
+            <a:endParaRPr lang="en-US" dirty="0"/>
           </a:p>
         </p:txBody>
       </p:sp>
@@ -6452,7 +6535,7 @@
           <a:lstStyle/>
           <a:p>
             <a:pPr algn="ctr"/>
-            <a:endParaRPr lang="en-US"/>
+            <a:endParaRPr lang="en-US" dirty="0"/>
           </a:p>
         </p:txBody>
       </p:sp>
@@ -6583,7 +6666,7 @@
           <a:lstStyle/>
           <a:p>
             <a:pPr algn="ctr"/>
-            <a:endParaRPr lang="en-US"/>
+            <a:endParaRPr lang="en-US" dirty="0"/>
           </a:p>
         </p:txBody>
       </p:sp>
@@ -6637,7 +6720,7 @@
             <a:lstStyle/>
             <a:p>
               <a:pPr algn="ctr"/>
-              <a:endParaRPr lang="en-US"/>
+              <a:endParaRPr lang="en-US" dirty="0"/>
             </a:p>
           </p:txBody>
         </p:sp>
@@ -6684,7 +6767,7 @@
             <a:lstStyle/>
             <a:p>
               <a:pPr algn="ctr"/>
-              <a:endParaRPr lang="en-US"/>
+              <a:endParaRPr lang="en-US" dirty="0"/>
             </a:p>
           </p:txBody>
         </p:sp>
@@ -6730,7 +6813,7 @@
             <a:lstStyle/>
             <a:p>
               <a:pPr algn="ctr"/>
-              <a:endParaRPr lang="en-US"/>
+              <a:endParaRPr lang="en-US" dirty="0"/>
             </a:p>
           </p:txBody>
         </p:sp>
@@ -6776,7 +6859,7 @@
             <a:lstStyle/>
             <a:p>
               <a:pPr algn="ctr"/>
-              <a:endParaRPr lang="en-US"/>
+              <a:endParaRPr lang="en-US" dirty="0"/>
             </a:p>
           </p:txBody>
         </p:sp>
@@ -6822,7 +6905,7 @@
             <a:lstStyle/>
             <a:p>
               <a:pPr algn="ctr"/>
-              <a:endParaRPr lang="en-US"/>
+              <a:endParaRPr lang="en-US" dirty="0"/>
             </a:p>
           </p:txBody>
         </p:sp>
@@ -6868,7 +6951,7 @@
             <a:lstStyle/>
             <a:p>
               <a:pPr algn="ctr"/>
-              <a:endParaRPr lang="en-US"/>
+              <a:endParaRPr lang="en-US" dirty="0"/>
             </a:p>
           </p:txBody>
         </p:sp>
@@ -6914,7 +6997,7 @@
             <a:lstStyle/>
             <a:p>
               <a:pPr algn="ctr"/>
-              <a:endParaRPr lang="en-US"/>
+              <a:endParaRPr lang="en-US" dirty="0"/>
             </a:p>
           </p:txBody>
         </p:sp>
@@ -6960,7 +7043,7 @@
             <a:lstStyle/>
             <a:p>
               <a:pPr algn="ctr"/>
-              <a:endParaRPr lang="en-US"/>
+              <a:endParaRPr lang="en-US" dirty="0"/>
             </a:p>
           </p:txBody>
         </p:sp>
@@ -7006,7 +7089,7 @@
             <a:lstStyle/>
             <a:p>
               <a:pPr algn="ctr"/>
-              <a:endParaRPr lang="en-US"/>
+              <a:endParaRPr lang="en-US" dirty="0"/>
             </a:p>
           </p:txBody>
         </p:sp>
@@ -7052,7 +7135,7 @@
             <a:lstStyle/>
             <a:p>
               <a:pPr algn="ctr"/>
-              <a:endParaRPr lang="en-US"/>
+              <a:endParaRPr lang="en-US" dirty="0"/>
             </a:p>
           </p:txBody>
         </p:sp>
@@ -7098,7 +7181,7 @@
             <a:lstStyle/>
             <a:p>
               <a:pPr algn="ctr"/>
-              <a:endParaRPr lang="en-US"/>
+              <a:endParaRPr lang="en-US" dirty="0"/>
             </a:p>
           </p:txBody>
         </p:sp>
@@ -7144,7 +7227,7 @@
             <a:lstStyle/>
             <a:p>
               <a:pPr algn="ctr"/>
-              <a:endParaRPr lang="en-US"/>
+              <a:endParaRPr lang="en-US" dirty="0"/>
             </a:p>
           </p:txBody>
         </p:sp>
@@ -7190,7 +7273,7 @@
             <a:lstStyle/>
             <a:p>
               <a:pPr algn="ctr"/>
-              <a:endParaRPr lang="en-US"/>
+              <a:endParaRPr lang="en-US" dirty="0"/>
             </a:p>
           </p:txBody>
         </p:sp>
@@ -7236,7 +7319,7 @@
             <a:lstStyle/>
             <a:p>
               <a:pPr algn="ctr"/>
-              <a:endParaRPr lang="en-US"/>
+              <a:endParaRPr lang="en-US" dirty="0"/>
             </a:p>
           </p:txBody>
         </p:sp>
@@ -7282,7 +7365,7 @@
             <a:lstStyle/>
             <a:p>
               <a:pPr algn="ctr"/>
-              <a:endParaRPr lang="en-US"/>
+              <a:endParaRPr lang="en-US" dirty="0"/>
             </a:p>
           </p:txBody>
         </p:sp>
@@ -7328,7 +7411,7 @@
             <a:lstStyle/>
             <a:p>
               <a:pPr algn="ctr"/>
-              <a:endParaRPr lang="en-US"/>
+              <a:endParaRPr lang="en-US" dirty="0"/>
             </a:p>
           </p:txBody>
         </p:sp>
@@ -7374,7 +7457,7 @@
             <a:lstStyle/>
             <a:p>
               <a:pPr algn="ctr"/>
-              <a:endParaRPr lang="en-US"/>
+              <a:endParaRPr lang="en-US" dirty="0"/>
             </a:p>
           </p:txBody>
         </p:sp>
@@ -7420,7 +7503,7 @@
             <a:lstStyle/>
             <a:p>
               <a:pPr algn="ctr"/>
-              <a:endParaRPr lang="en-US"/>
+              <a:endParaRPr lang="en-US" dirty="0"/>
             </a:p>
           </p:txBody>
         </p:sp>
@@ -8807,7 +8890,7 @@
             <a:lstStyle/>
             <a:p>
               <a:pPr algn="ctr"/>
-              <a:endParaRPr lang="en-US"/>
+              <a:endParaRPr lang="en-US" dirty="0"/>
             </a:p>
           </p:txBody>
         </p:sp>
@@ -8854,7 +8937,7 @@
             <a:lstStyle/>
             <a:p>
               <a:pPr algn="ctr"/>
-              <a:endParaRPr lang="en-US"/>
+              <a:endParaRPr lang="en-US" dirty="0"/>
             </a:p>
           </p:txBody>
         </p:sp>
@@ -8900,7 +8983,7 @@
             <a:lstStyle/>
             <a:p>
               <a:pPr algn="ctr"/>
-              <a:endParaRPr lang="en-US"/>
+              <a:endParaRPr lang="en-US" dirty="0"/>
             </a:p>
           </p:txBody>
         </p:sp>
@@ -8946,7 +9029,7 @@
             <a:lstStyle/>
             <a:p>
               <a:pPr algn="ctr"/>
-              <a:endParaRPr lang="en-US"/>
+              <a:endParaRPr lang="en-US" dirty="0"/>
             </a:p>
           </p:txBody>
         </p:sp>
@@ -8992,7 +9075,7 @@
             <a:lstStyle/>
             <a:p>
               <a:pPr algn="ctr"/>
-              <a:endParaRPr lang="en-US"/>
+              <a:endParaRPr lang="en-US" dirty="0"/>
             </a:p>
           </p:txBody>
         </p:sp>
@@ -9038,7 +9121,7 @@
             <a:lstStyle/>
             <a:p>
               <a:pPr algn="ctr"/>
-              <a:endParaRPr lang="en-US"/>
+              <a:endParaRPr lang="en-US" dirty="0"/>
             </a:p>
           </p:txBody>
         </p:sp>
@@ -9084,7 +9167,7 @@
             <a:lstStyle/>
             <a:p>
               <a:pPr algn="ctr"/>
-              <a:endParaRPr lang="en-US"/>
+              <a:endParaRPr lang="en-US" dirty="0"/>
             </a:p>
           </p:txBody>
         </p:sp>
@@ -9130,7 +9213,7 @@
             <a:lstStyle/>
             <a:p>
               <a:pPr algn="ctr"/>
-              <a:endParaRPr lang="en-US"/>
+              <a:endParaRPr lang="en-US" dirty="0"/>
             </a:p>
           </p:txBody>
         </p:sp>
@@ -9176,7 +9259,7 @@
             <a:lstStyle/>
             <a:p>
               <a:pPr algn="ctr"/>
-              <a:endParaRPr lang="en-US"/>
+              <a:endParaRPr lang="en-US" dirty="0"/>
             </a:p>
           </p:txBody>
         </p:sp>
@@ -9222,7 +9305,7 @@
             <a:lstStyle/>
             <a:p>
               <a:pPr algn="ctr"/>
-              <a:endParaRPr lang="en-US"/>
+              <a:endParaRPr lang="en-US" dirty="0"/>
             </a:p>
           </p:txBody>
         </p:sp>
@@ -9268,7 +9351,7 @@
             <a:lstStyle/>
             <a:p>
               <a:pPr algn="ctr"/>
-              <a:endParaRPr lang="en-US"/>
+              <a:endParaRPr lang="en-US" dirty="0"/>
             </a:p>
           </p:txBody>
         </p:sp>
@@ -9314,7 +9397,7 @@
             <a:lstStyle/>
             <a:p>
               <a:pPr algn="ctr"/>
-              <a:endParaRPr lang="en-US"/>
+              <a:endParaRPr lang="en-US" dirty="0"/>
             </a:p>
           </p:txBody>
         </p:sp>
@@ -9360,7 +9443,7 @@
             <a:lstStyle/>
             <a:p>
               <a:pPr algn="ctr"/>
-              <a:endParaRPr lang="en-US"/>
+              <a:endParaRPr lang="en-US" dirty="0"/>
             </a:p>
           </p:txBody>
         </p:sp>
@@ -9406,7 +9489,7 @@
             <a:lstStyle/>
             <a:p>
               <a:pPr algn="ctr"/>
-              <a:endParaRPr lang="en-US"/>
+              <a:endParaRPr lang="en-US" dirty="0"/>
             </a:p>
           </p:txBody>
         </p:sp>
@@ -9452,7 +9535,7 @@
             <a:lstStyle/>
             <a:p>
               <a:pPr algn="ctr"/>
-              <a:endParaRPr lang="en-US"/>
+              <a:endParaRPr lang="en-US" dirty="0"/>
             </a:p>
           </p:txBody>
         </p:sp>
@@ -9498,7 +9581,7 @@
             <a:lstStyle/>
             <a:p>
               <a:pPr algn="ctr"/>
-              <a:endParaRPr lang="en-US"/>
+              <a:endParaRPr lang="en-US" dirty="0"/>
             </a:p>
           </p:txBody>
         </p:sp>
@@ -9544,7 +9627,7 @@
             <a:lstStyle/>
             <a:p>
               <a:pPr algn="ctr"/>
-              <a:endParaRPr lang="en-US"/>
+              <a:endParaRPr lang="en-US" dirty="0"/>
             </a:p>
           </p:txBody>
         </p:sp>
@@ -9590,7 +9673,7 @@
             <a:lstStyle/>
             <a:p>
               <a:pPr algn="ctr"/>
-              <a:endParaRPr lang="en-US"/>
+              <a:endParaRPr lang="en-US" dirty="0"/>
             </a:p>
           </p:txBody>
         </p:sp>
@@ -11138,7 +11221,7 @@
           <a:lstStyle/>
           <a:p>
             <a:pPr algn="ctr"/>
-            <a:endParaRPr lang="en-US"/>
+            <a:endParaRPr lang="en-US" dirty="0"/>
           </a:p>
         </p:txBody>
       </p:sp>
@@ -11185,7 +11268,7 @@
           <a:lstStyle/>
           <a:p>
             <a:pPr algn="ctr"/>
-            <a:endParaRPr lang="en-US"/>
+            <a:endParaRPr lang="en-US" dirty="0"/>
           </a:p>
         </p:txBody>
       </p:sp>
@@ -11231,7 +11314,7 @@
           <a:lstStyle/>
           <a:p>
             <a:pPr algn="ctr"/>
-            <a:endParaRPr lang="en-US"/>
+            <a:endParaRPr lang="en-US" dirty="0"/>
           </a:p>
         </p:txBody>
       </p:sp>
@@ -11277,7 +11360,7 @@
           <a:lstStyle/>
           <a:p>
             <a:pPr algn="ctr"/>
-            <a:endParaRPr lang="en-US"/>
+            <a:endParaRPr lang="en-US" dirty="0"/>
           </a:p>
         </p:txBody>
       </p:sp>
@@ -11323,7 +11406,7 @@
           <a:lstStyle/>
           <a:p>
             <a:pPr algn="ctr"/>
-            <a:endParaRPr lang="en-US"/>
+            <a:endParaRPr lang="en-US" dirty="0"/>
           </a:p>
         </p:txBody>
       </p:sp>
@@ -11369,7 +11452,7 @@
           <a:lstStyle/>
           <a:p>
             <a:pPr algn="ctr"/>
-            <a:endParaRPr lang="en-US"/>
+            <a:endParaRPr lang="en-US" dirty="0"/>
           </a:p>
         </p:txBody>
       </p:sp>
@@ -11415,7 +11498,7 @@
           <a:lstStyle/>
           <a:p>
             <a:pPr algn="ctr"/>
-            <a:endParaRPr lang="en-US"/>
+            <a:endParaRPr lang="en-US" dirty="0"/>
           </a:p>
         </p:txBody>
       </p:sp>
@@ -11461,7 +11544,7 @@
           <a:lstStyle/>
           <a:p>
             <a:pPr algn="ctr"/>
-            <a:endParaRPr lang="en-US"/>
+            <a:endParaRPr lang="en-US" dirty="0"/>
           </a:p>
         </p:txBody>
       </p:sp>
@@ -11507,7 +11590,7 @@
           <a:lstStyle/>
           <a:p>
             <a:pPr algn="ctr"/>
-            <a:endParaRPr lang="en-US"/>
+            <a:endParaRPr lang="en-US" dirty="0"/>
           </a:p>
         </p:txBody>
       </p:sp>
@@ -11553,7 +11636,7 @@
           <a:lstStyle/>
           <a:p>
             <a:pPr algn="ctr"/>
-            <a:endParaRPr lang="en-US"/>
+            <a:endParaRPr lang="en-US" dirty="0"/>
           </a:p>
         </p:txBody>
       </p:sp>
@@ -11599,7 +11682,7 @@
           <a:lstStyle/>
           <a:p>
             <a:pPr algn="ctr"/>
-            <a:endParaRPr lang="en-US"/>
+            <a:endParaRPr lang="en-US" dirty="0"/>
           </a:p>
         </p:txBody>
       </p:sp>
@@ -11645,7 +11728,7 @@
           <a:lstStyle/>
           <a:p>
             <a:pPr algn="ctr"/>
-            <a:endParaRPr lang="en-US"/>
+            <a:endParaRPr lang="en-US" dirty="0"/>
           </a:p>
         </p:txBody>
       </p:sp>
@@ -11691,7 +11774,7 @@
           <a:lstStyle/>
           <a:p>
             <a:pPr algn="ctr"/>
-            <a:endParaRPr lang="en-US"/>
+            <a:endParaRPr lang="en-US" dirty="0"/>
           </a:p>
         </p:txBody>
       </p:sp>
@@ -11737,7 +11820,7 @@
           <a:lstStyle/>
           <a:p>
             <a:pPr algn="ctr"/>
-            <a:endParaRPr lang="en-US"/>
+            <a:endParaRPr lang="en-US" dirty="0"/>
           </a:p>
         </p:txBody>
       </p:sp>
@@ -11783,7 +11866,7 @@
           <a:lstStyle/>
           <a:p>
             <a:pPr algn="ctr"/>
-            <a:endParaRPr lang="en-US"/>
+            <a:endParaRPr lang="en-US" dirty="0"/>
           </a:p>
         </p:txBody>
       </p:sp>
@@ -11829,7 +11912,7 @@
           <a:lstStyle/>
           <a:p>
             <a:pPr algn="ctr"/>
-            <a:endParaRPr lang="en-US"/>
+            <a:endParaRPr lang="en-US" dirty="0"/>
           </a:p>
         </p:txBody>
       </p:sp>
@@ -11875,7 +11958,7 @@
           <a:lstStyle/>
           <a:p>
             <a:pPr algn="ctr"/>
-            <a:endParaRPr lang="en-US"/>
+            <a:endParaRPr lang="en-US" dirty="0"/>
           </a:p>
         </p:txBody>
       </p:sp>
@@ -11921,7 +12004,7 @@
           <a:lstStyle/>
           <a:p>
             <a:pPr algn="ctr"/>
-            <a:endParaRPr lang="en-US"/>
+            <a:endParaRPr lang="en-US" dirty="0"/>
           </a:p>
         </p:txBody>
       </p:sp>
@@ -13293,7 +13376,7 @@
           <a:lstStyle/>
           <a:p>
             <a:pPr algn="ctr"/>
-            <a:endParaRPr lang="en-US"/>
+            <a:endParaRPr lang="en-US" dirty="0"/>
           </a:p>
         </p:txBody>
       </p:sp>
@@ -13340,7 +13423,7 @@
           <a:lstStyle/>
           <a:p>
             <a:pPr algn="ctr"/>
-            <a:endParaRPr lang="en-US"/>
+            <a:endParaRPr lang="en-US" dirty="0"/>
           </a:p>
         </p:txBody>
       </p:sp>
@@ -13386,7 +13469,7 @@
           <a:lstStyle/>
           <a:p>
             <a:pPr algn="ctr"/>
-            <a:endParaRPr lang="en-US"/>
+            <a:endParaRPr lang="en-US" dirty="0"/>
           </a:p>
         </p:txBody>
       </p:sp>
@@ -13432,7 +13515,7 @@
           <a:lstStyle/>
           <a:p>
             <a:pPr algn="ctr"/>
-            <a:endParaRPr lang="en-US"/>
+            <a:endParaRPr lang="en-US" dirty="0"/>
           </a:p>
         </p:txBody>
       </p:sp>
@@ -13478,7 +13561,7 @@
           <a:lstStyle/>
           <a:p>
             <a:pPr algn="ctr"/>
-            <a:endParaRPr lang="en-US"/>
+            <a:endParaRPr lang="en-US" dirty="0"/>
           </a:p>
         </p:txBody>
       </p:sp>
@@ -13524,7 +13607,7 @@
           <a:lstStyle/>
           <a:p>
             <a:pPr algn="ctr"/>
-            <a:endParaRPr lang="en-US"/>
+            <a:endParaRPr lang="en-US" dirty="0"/>
           </a:p>
         </p:txBody>
       </p:sp>
@@ -13570,7 +13653,7 @@
           <a:lstStyle/>
           <a:p>
             <a:pPr algn="ctr"/>
-            <a:endParaRPr lang="en-US"/>
+            <a:endParaRPr lang="en-US" dirty="0"/>
           </a:p>
         </p:txBody>
       </p:sp>
@@ -13616,7 +13699,7 @@
           <a:lstStyle/>
           <a:p>
             <a:pPr algn="ctr"/>
-            <a:endParaRPr lang="en-US"/>
+            <a:endParaRPr lang="en-US" dirty="0"/>
           </a:p>
         </p:txBody>
       </p:sp>
@@ -13662,7 +13745,7 @@
           <a:lstStyle/>
           <a:p>
             <a:pPr algn="ctr"/>
-            <a:endParaRPr lang="en-US"/>
+            <a:endParaRPr lang="en-US" dirty="0"/>
           </a:p>
         </p:txBody>
       </p:sp>
@@ -13708,7 +13791,7 @@
           <a:lstStyle/>
           <a:p>
             <a:pPr algn="ctr"/>
-            <a:endParaRPr lang="en-US"/>
+            <a:endParaRPr lang="en-US" dirty="0"/>
           </a:p>
         </p:txBody>
       </p:sp>
@@ -13754,7 +13837,7 @@
           <a:lstStyle/>
           <a:p>
             <a:pPr algn="ctr"/>
-            <a:endParaRPr lang="en-US"/>
+            <a:endParaRPr lang="en-US" dirty="0"/>
           </a:p>
         </p:txBody>
       </p:sp>
@@ -13800,7 +13883,7 @@
           <a:lstStyle/>
           <a:p>
             <a:pPr algn="ctr"/>
-            <a:endParaRPr lang="en-US"/>
+            <a:endParaRPr lang="en-US" dirty="0"/>
           </a:p>
         </p:txBody>
       </p:sp>
@@ -13846,7 +13929,7 @@
           <a:lstStyle/>
           <a:p>
             <a:pPr algn="ctr"/>
-            <a:endParaRPr lang="en-US"/>
+            <a:endParaRPr lang="en-US" dirty="0"/>
           </a:p>
         </p:txBody>
       </p:sp>
@@ -13892,7 +13975,7 @@
           <a:lstStyle/>
           <a:p>
             <a:pPr algn="ctr"/>
-            <a:endParaRPr lang="en-US"/>
+            <a:endParaRPr lang="en-US" dirty="0"/>
           </a:p>
         </p:txBody>
       </p:sp>
@@ -13938,7 +14021,7 @@
           <a:lstStyle/>
           <a:p>
             <a:pPr algn="ctr"/>
-            <a:endParaRPr lang="en-US"/>
+            <a:endParaRPr lang="en-US" dirty="0"/>
           </a:p>
         </p:txBody>
       </p:sp>
@@ -13984,7 +14067,7 @@
           <a:lstStyle/>
           <a:p>
             <a:pPr algn="ctr"/>
-            <a:endParaRPr lang="en-US"/>
+            <a:endParaRPr lang="en-US" dirty="0"/>
           </a:p>
         </p:txBody>
       </p:sp>
@@ -14030,7 +14113,7 @@
           <a:lstStyle/>
           <a:p>
             <a:pPr algn="ctr"/>
-            <a:endParaRPr lang="en-US"/>
+            <a:endParaRPr lang="en-US" dirty="0"/>
           </a:p>
         </p:txBody>
       </p:sp>
@@ -14076,7 +14159,7 @@
           <a:lstStyle/>
           <a:p>
             <a:pPr algn="ctr"/>
-            <a:endParaRPr lang="en-US"/>
+            <a:endParaRPr lang="en-US" dirty="0"/>
           </a:p>
         </p:txBody>
       </p:sp>
@@ -15446,7 +15529,7 @@
           <a:lstStyle/>
           <a:p>
             <a:pPr algn="ctr"/>
-            <a:endParaRPr lang="en-US"/>
+            <a:endParaRPr lang="en-US" dirty="0"/>
           </a:p>
         </p:txBody>
       </p:sp>
@@ -15493,7 +15576,7 @@
           <a:lstStyle/>
           <a:p>
             <a:pPr algn="ctr"/>
-            <a:endParaRPr lang="en-US"/>
+            <a:endParaRPr lang="en-US" dirty="0"/>
           </a:p>
         </p:txBody>
       </p:sp>
@@ -15539,7 +15622,7 @@
           <a:lstStyle/>
           <a:p>
             <a:pPr algn="ctr"/>
-            <a:endParaRPr lang="en-US"/>
+            <a:endParaRPr lang="en-US" dirty="0"/>
           </a:p>
         </p:txBody>
       </p:sp>
@@ -15585,7 +15668,7 @@
           <a:lstStyle/>
           <a:p>
             <a:pPr algn="ctr"/>
-            <a:endParaRPr lang="en-US"/>
+            <a:endParaRPr lang="en-US" dirty="0"/>
           </a:p>
         </p:txBody>
       </p:sp>
@@ -15631,7 +15714,7 @@
           <a:lstStyle/>
           <a:p>
             <a:pPr algn="ctr"/>
-            <a:endParaRPr lang="en-US"/>
+            <a:endParaRPr lang="en-US" dirty="0"/>
           </a:p>
         </p:txBody>
       </p:sp>
@@ -15677,7 +15760,7 @@
           <a:lstStyle/>
           <a:p>
             <a:pPr algn="ctr"/>
-            <a:endParaRPr lang="en-US"/>
+            <a:endParaRPr lang="en-US" dirty="0"/>
           </a:p>
         </p:txBody>
       </p:sp>
@@ -15723,7 +15806,7 @@
           <a:lstStyle/>
           <a:p>
             <a:pPr algn="ctr"/>
-            <a:endParaRPr lang="en-US"/>
+            <a:endParaRPr lang="en-US" dirty="0"/>
           </a:p>
         </p:txBody>
       </p:sp>
@@ -15769,7 +15852,7 @@
           <a:lstStyle/>
           <a:p>
             <a:pPr algn="ctr"/>
-            <a:endParaRPr lang="en-US"/>
+            <a:endParaRPr lang="en-US" dirty="0"/>
           </a:p>
         </p:txBody>
       </p:sp>
@@ -15815,7 +15898,7 @@
           <a:lstStyle/>
           <a:p>
             <a:pPr algn="ctr"/>
-            <a:endParaRPr lang="en-US"/>
+            <a:endParaRPr lang="en-US" dirty="0"/>
           </a:p>
         </p:txBody>
       </p:sp>
@@ -15861,7 +15944,7 @@
           <a:lstStyle/>
           <a:p>
             <a:pPr algn="ctr"/>
-            <a:endParaRPr lang="en-US"/>
+            <a:endParaRPr lang="en-US" dirty="0"/>
           </a:p>
         </p:txBody>
       </p:sp>
@@ -15907,7 +15990,7 @@
           <a:lstStyle/>
           <a:p>
             <a:pPr algn="ctr"/>
-            <a:endParaRPr lang="en-US"/>
+            <a:endParaRPr lang="en-US" dirty="0"/>
           </a:p>
         </p:txBody>
       </p:sp>
@@ -15953,7 +16036,7 @@
           <a:lstStyle/>
           <a:p>
             <a:pPr algn="ctr"/>
-            <a:endParaRPr lang="en-US"/>
+            <a:endParaRPr lang="en-US" dirty="0"/>
           </a:p>
         </p:txBody>
       </p:sp>
@@ -15999,7 +16082,7 @@
           <a:lstStyle/>
           <a:p>
             <a:pPr algn="ctr"/>
-            <a:endParaRPr lang="en-US"/>
+            <a:endParaRPr lang="en-US" dirty="0"/>
           </a:p>
         </p:txBody>
       </p:sp>
@@ -16045,7 +16128,7 @@
           <a:lstStyle/>
           <a:p>
             <a:pPr algn="ctr"/>
-            <a:endParaRPr lang="en-US"/>
+            <a:endParaRPr lang="en-US" dirty="0"/>
           </a:p>
         </p:txBody>
       </p:sp>
@@ -16091,7 +16174,7 @@
           <a:lstStyle/>
           <a:p>
             <a:pPr algn="ctr"/>
-            <a:endParaRPr lang="en-US"/>
+            <a:endParaRPr lang="en-US" dirty="0"/>
           </a:p>
         </p:txBody>
       </p:sp>
@@ -16137,7 +16220,7 @@
           <a:lstStyle/>
           <a:p>
             <a:pPr algn="ctr"/>
-            <a:endParaRPr lang="en-US"/>
+            <a:endParaRPr lang="en-US" dirty="0"/>
           </a:p>
         </p:txBody>
       </p:sp>
@@ -16183,7 +16266,7 @@
           <a:lstStyle/>
           <a:p>
             <a:pPr algn="ctr"/>
-            <a:endParaRPr lang="en-US"/>
+            <a:endParaRPr lang="en-US" dirty="0"/>
           </a:p>
         </p:txBody>
       </p:sp>
@@ -16229,7 +16312,7 @@
           <a:lstStyle/>
           <a:p>
             <a:pPr algn="ctr"/>
-            <a:endParaRPr lang="en-US"/>
+            <a:endParaRPr lang="en-US" dirty="0"/>
           </a:p>
         </p:txBody>
       </p:sp>
@@ -17646,11 +17729,11 @@
           <a:lstStyle/>
           <a:p>
             <a:r>
-              <a:rPr lang="en-US" sz="1200"/>
+              <a:rPr lang="en-US" sz="1200" dirty="0"/>
               <a:t>r</a:t>
             </a:r>
             <a:r>
-              <a:rPr lang="en-US" sz="1200" smtClean="0"/>
+              <a:rPr lang="en-US" sz="1200" dirty="0" smtClean="0"/>
               <a:t>ound-trip</a:t>
             </a:r>
             <a:endParaRPr lang="en-US" sz="1200" dirty="0"/>
@@ -17782,7 +17865,7 @@
           <a:lstStyle/>
           <a:p>
             <a:pPr algn="ctr"/>
-            <a:endParaRPr lang="en-US"/>
+            <a:endParaRPr lang="en-US" dirty="0"/>
           </a:p>
         </p:txBody>
       </p:sp>
@@ -17846,7 +17929,7 @@
           <a:lstStyle/>
           <a:p>
             <a:pPr algn="ctr"/>
-            <a:endParaRPr lang="en-US"/>
+            <a:endParaRPr lang="en-US" dirty="0"/>
           </a:p>
         </p:txBody>
       </p:sp>
